--- a/figures/fig5/fig5.pptx
+++ b/figures/fig5/fig5.pptx
@@ -258,7 +258,7 @@
       </p15:sldGuideLst>
     </p:ext>
     <p:ext uri="http://customooxmlschemas.google.com/">
-      <go:slidesCustomData xmlns:go="http://customooxmlschemas.google.com/" xmlns:ahyp="http://schemas.microsoft.com/office/drawing/2018/hyperlinkcolor" xmlns:p15="http://schemas.microsoft.com/office/powerpoint/2012/main" xmlns:p14="http://schemas.microsoft.com/office/powerpoint/2010/main" xmlns:com="http://schemas.openxmlformats.org/drawingml/2006/compatibility" xmlns:pvml="urn:schemas-microsoft-com:office:powerpoint" xmlns:v="urn:schemas-microsoft-com:vml" xmlns:o="urn:schemas-microsoft-com:office:office" xmlns:dgm="http://schemas.openxmlformats.org/drawingml/2006/diagram" xmlns:c="http://schemas.openxmlformats.org/drawingml/2006/chart" xmlns:mv="urn:schemas-microsoft-com:mac:vml" xmlns:mc="http://schemas.openxmlformats.org/markup-compatibility/2006" xmlns="" r:id="rId10" roundtripDataSignature="AMtx7mhiytGPk8UOxiAGs9KaAxakDbg4SQ=="/>
+      <go:slidesCustomData xmlns="" xmlns:mc="http://schemas.openxmlformats.org/markup-compatibility/2006" xmlns:mv="urn:schemas-microsoft-com:mac:vml" xmlns:c="http://schemas.openxmlformats.org/drawingml/2006/chart" xmlns:dgm="http://schemas.openxmlformats.org/drawingml/2006/diagram" xmlns:o="urn:schemas-microsoft-com:office:office" xmlns:v="urn:schemas-microsoft-com:vml" xmlns:pvml="urn:schemas-microsoft-com:office:powerpoint" xmlns:com="http://schemas.openxmlformats.org/drawingml/2006/compatibility" xmlns:p14="http://schemas.microsoft.com/office/powerpoint/2010/main" xmlns:p15="http://schemas.microsoft.com/office/powerpoint/2012/main" xmlns:ahyp="http://schemas.microsoft.com/office/drawing/2018/hyperlinkcolor" xmlns:go="http://customooxmlschemas.google.com/" r:id="rId10" roundtripDataSignature="AMtx7mhiytGPk8UOxiAGs9KaAxakDbg4SQ=="/>
     </p:ext>
   </p:extLst>
 </p:presentation>
@@ -11003,101 +11003,43 @@
           <a:chExt cx="0" cy="0"/>
         </a:xfrm>
       </p:grpSpPr>
-      <p:grpSp>
-        <p:nvGrpSpPr>
-          <p:cNvPr id="10" name="Group 9">
+      <p:pic>
+        <p:nvPicPr>
+          <p:cNvPr id="5" name="Graphic 4">
             <a:extLst>
               <a:ext uri="{FF2B5EF4-FFF2-40B4-BE49-F238E27FC236}">
-                <a16:creationId xmlns:a16="http://schemas.microsoft.com/office/drawing/2014/main" id="{D164CF5B-1FD9-C39A-96B9-5A5CD132A888}"/>
+                <a16:creationId xmlns:a16="http://schemas.microsoft.com/office/drawing/2014/main" id="{97350600-E11B-5471-D876-C70AB4919B62}"/>
               </a:ext>
             </a:extLst>
           </p:cNvPr>
-          <p:cNvGrpSpPr/>
+          <p:cNvPicPr>
+            <a:picLocks noChangeAspect="1"/>
+          </p:cNvPicPr>
           <p:nvPr/>
-        </p:nvGrpSpPr>
-        <p:grpSpPr>
+        </p:nvPicPr>
+        <p:blipFill>
+          <a:blip r:embed="rId3">
+            <a:extLst>
+              <a:ext uri="{96DAC541-7B7A-43D3-8B79-37D633B846F1}">
+                <asvg:svgBlip xmlns:asvg="http://schemas.microsoft.com/office/drawing/2016/SVG/main" r:embed="rId4"/>
+              </a:ext>
+            </a:extLst>
+          </a:blip>
+          <a:srcRect l="2376" t="5604" r="1250" b="2595"/>
+          <a:stretch>
+            <a:fillRect/>
+          </a:stretch>
+        </p:blipFill>
+        <p:spPr>
           <a:xfrm>
-            <a:off x="0" y="9281159"/>
-            <a:ext cx="36118800" cy="23637241"/>
-            <a:chOff x="0" y="9853684"/>
-            <a:chExt cx="35570160" cy="23064717"/>
+            <a:off x="0" y="19492968"/>
+            <a:ext cx="36576000" cy="13425432"/>
           </a:xfrm>
-        </p:grpSpPr>
-        <p:pic>
-          <p:nvPicPr>
-            <p:cNvPr id="8" name="Graphic 7">
-              <a:extLst>
-                <a:ext uri="{FF2B5EF4-FFF2-40B4-BE49-F238E27FC236}">
-                  <a16:creationId xmlns:a16="http://schemas.microsoft.com/office/drawing/2014/main" id="{ACFC3FB1-0AF6-4FAB-A7D7-238342AE53DE}"/>
-                </a:ext>
-              </a:extLst>
-            </p:cNvPr>
-            <p:cNvPicPr>
-              <a:picLocks noChangeAspect="1"/>
-            </p:cNvPicPr>
-            <p:nvPr/>
-          </p:nvPicPr>
-          <p:blipFill>
-            <a:blip r:embed="rId3">
-              <a:extLst>
-                <a:ext uri="{96DAC541-7B7A-43D3-8B79-37D633B846F1}">
-                  <asvg:svgBlip xmlns:asvg="http://schemas.microsoft.com/office/drawing/2016/SVG/main" r:embed="rId4"/>
-                </a:ext>
-              </a:extLst>
-            </a:blip>
-            <a:srcRect r="20625"/>
-            <a:stretch>
-              <a:fillRect/>
-            </a:stretch>
-          </p:blipFill>
-          <p:spPr>
-            <a:xfrm>
-              <a:off x="0" y="9853685"/>
-              <a:ext cx="29032200" cy="23064716"/>
-            </a:xfrm>
-            <a:prstGeom prst="rect">
-              <a:avLst/>
-            </a:prstGeom>
-          </p:spPr>
-        </p:pic>
-        <p:pic>
-          <p:nvPicPr>
-            <p:cNvPr id="9" name="Graphic 8">
-              <a:extLst>
-                <a:ext uri="{FF2B5EF4-FFF2-40B4-BE49-F238E27FC236}">
-                  <a16:creationId xmlns:a16="http://schemas.microsoft.com/office/drawing/2014/main" id="{BE71C862-A49A-F6C7-FB00-0D7A9EF685D7}"/>
-                </a:ext>
-              </a:extLst>
-            </p:cNvPr>
-            <p:cNvPicPr>
-              <a:picLocks noChangeAspect="1"/>
-            </p:cNvPicPr>
-            <p:nvPr/>
-          </p:nvPicPr>
-          <p:blipFill>
-            <a:blip r:embed="rId3">
-              <a:extLst>
-                <a:ext uri="{96DAC541-7B7A-43D3-8B79-37D633B846F1}">
-                  <asvg:svgBlip xmlns:asvg="http://schemas.microsoft.com/office/drawing/2016/SVG/main" r:embed="rId4"/>
-                </a:ext>
-              </a:extLst>
-            </a:blip>
-            <a:srcRect l="81750"/>
-            <a:stretch>
-              <a:fillRect/>
-            </a:stretch>
-          </p:blipFill>
-          <p:spPr>
-            <a:xfrm>
-              <a:off x="28895040" y="9853684"/>
-              <a:ext cx="6675120" cy="23064716"/>
-            </a:xfrm>
-            <a:prstGeom prst="rect">
-              <a:avLst/>
-            </a:prstGeom>
-          </p:spPr>
-        </p:pic>
-      </p:grpSp>
+          <a:prstGeom prst="rect">
+            <a:avLst/>
+          </a:prstGeom>
+        </p:spPr>
+      </p:pic>
     </p:spTree>
   </p:cSld>
   <p:clrMapOvr>
@@ -11125,10 +11067,10 @@
       </p:grpSpPr>
       <p:pic>
         <p:nvPicPr>
-          <p:cNvPr id="5" name="Graphic 4">
+          <p:cNvPr id="3" name="Graphic 2">
             <a:extLst>
               <a:ext uri="{FF2B5EF4-FFF2-40B4-BE49-F238E27FC236}">
-                <a16:creationId xmlns:a16="http://schemas.microsoft.com/office/drawing/2014/main" id="{99C375E0-7517-8710-52AF-37568AFDA095}"/>
+                <a16:creationId xmlns:a16="http://schemas.microsoft.com/office/drawing/2014/main" id="{D3839207-9BE2-AF43-AB03-FF11459F0C7F}"/>
               </a:ext>
             </a:extLst>
           </p:cNvPr>

--- a/figures/fig5/fig5.pptx
+++ b/figures/fig5/fig5.pptx
@@ -5,11 +5,13 @@
     <p:sldMasterId id="2147483648" r:id="rId1"/>
   </p:sldMasterIdLst>
   <p:notesMasterIdLst>
-    <p:notesMasterId r:id="rId4"/>
+    <p:notesMasterId r:id="rId6"/>
   </p:notesMasterIdLst>
   <p:sldIdLst>
     <p:sldId id="256" r:id="rId2"/>
     <p:sldId id="257" r:id="rId3"/>
+    <p:sldId id="258" r:id="rId4"/>
+    <p:sldId id="259" r:id="rId5"/>
   </p:sldIdLst>
   <p:sldSz cx="36576000" cy="32918400"/>
   <p:notesSz cx="7010400" cy="9296400"/>
@@ -258,7 +260,7 @@
       </p15:sldGuideLst>
     </p:ext>
     <p:ext uri="http://customooxmlschemas.google.com/">
-      <go:slidesCustomData xmlns="" xmlns:mc="http://schemas.openxmlformats.org/markup-compatibility/2006" xmlns:mv="urn:schemas-microsoft-com:mac:vml" xmlns:c="http://schemas.openxmlformats.org/drawingml/2006/chart" xmlns:dgm="http://schemas.openxmlformats.org/drawingml/2006/diagram" xmlns:o="urn:schemas-microsoft-com:office:office" xmlns:v="urn:schemas-microsoft-com:vml" xmlns:pvml="urn:schemas-microsoft-com:office:powerpoint" xmlns:com="http://schemas.openxmlformats.org/drawingml/2006/compatibility" xmlns:p14="http://schemas.microsoft.com/office/powerpoint/2010/main" xmlns:p15="http://schemas.microsoft.com/office/powerpoint/2012/main" xmlns:ahyp="http://schemas.microsoft.com/office/drawing/2018/hyperlinkcolor" xmlns:go="http://customooxmlschemas.google.com/" r:id="rId10" roundtripDataSignature="AMtx7mhiytGPk8UOxiAGs9KaAxakDbg4SQ=="/>
+      <go:slidesCustomData xmlns:go="http://customooxmlschemas.google.com/" xmlns:ahyp="http://schemas.microsoft.com/office/drawing/2018/hyperlinkcolor" xmlns:p15="http://schemas.microsoft.com/office/powerpoint/2012/main" xmlns:p14="http://schemas.microsoft.com/office/powerpoint/2010/main" xmlns:com="http://schemas.openxmlformats.org/drawingml/2006/compatibility" xmlns:pvml="urn:schemas-microsoft-com:office:powerpoint" xmlns:v="urn:schemas-microsoft-com:vml" xmlns:o="urn:schemas-microsoft-com:office:office" xmlns:dgm="http://schemas.openxmlformats.org/drawingml/2006/diagram" xmlns:c="http://schemas.openxmlformats.org/drawingml/2006/chart" xmlns:mv="urn:schemas-microsoft-com:mac:vml" xmlns:mc="http://schemas.openxmlformats.org/markup-compatibility/2006" xmlns="" r:id="rId10" roundtripDataSignature="AMtx7mhiytGPk8UOxiAGs9KaAxakDbg4SQ=="/>
     </p:ext>
   </p:extLst>
 </p:presentation>
@@ -1630,6 +1632,424 @@
         </p:txBody>
       </p:sp>
     </p:spTree>
+  </p:cSld>
+  <p:clrMapOvr>
+    <a:masterClrMapping/>
+  </p:clrMapOvr>
+</p:notes>
+</file>
+
+<file path=ppt/notesSlides/notesSlide2.xml><?xml version="1.0" encoding="utf-8"?>
+<p:notes xmlns:a="http://schemas.openxmlformats.org/drawingml/2006/main" xmlns:r="http://schemas.openxmlformats.org/officeDocument/2006/relationships" xmlns:p="http://schemas.openxmlformats.org/presentationml/2006/main" showMasterSp="0" showMasterPhAnim="0">
+  <p:cSld>
+    <p:spTree>
+      <p:nvGrpSpPr>
+        <p:cNvPr id="1" name="Shape 84">
+          <a:extLst>
+            <a:ext uri="{FF2B5EF4-FFF2-40B4-BE49-F238E27FC236}">
+              <a16:creationId xmlns:a16="http://schemas.microsoft.com/office/drawing/2014/main" id="{1503F79B-DA03-414A-C97D-1E4C27875988}"/>
+            </a:ext>
+          </a:extLst>
+        </p:cNvPr>
+        <p:cNvGrpSpPr/>
+        <p:nvPr/>
+      </p:nvGrpSpPr>
+      <p:grpSpPr>
+        <a:xfrm>
+          <a:off x="0" y="0"/>
+          <a:ext cx="0" cy="0"/>
+          <a:chOff x="0" y="0"/>
+          <a:chExt cx="0" cy="0"/>
+        </a:xfrm>
+      </p:grpSpPr>
+      <p:sp>
+        <p:nvSpPr>
+          <p:cNvPr id="85" name="Google Shape;85;p1:notes">
+            <a:extLst>
+              <a:ext uri="{FF2B5EF4-FFF2-40B4-BE49-F238E27FC236}">
+                <a16:creationId xmlns:a16="http://schemas.microsoft.com/office/drawing/2014/main" id="{5C8C61BF-8AF1-3C31-3FAF-423F2C313B66}"/>
+              </a:ext>
+            </a:extLst>
+          </p:cNvPr>
+          <p:cNvSpPr>
+            <a:spLocks noGrp="1" noRot="1" noChangeAspect="1"/>
+          </p:cNvSpPr>
+          <p:nvPr>
+            <p:ph type="sldImg" idx="2"/>
+          </p:nvPr>
+        </p:nvSpPr>
+        <p:spPr>
+          <a:xfrm>
+            <a:off x="1568450" y="696913"/>
+            <a:ext cx="3873500" cy="3486150"/>
+          </a:xfrm>
+          <a:custGeom>
+            <a:avLst/>
+            <a:gdLst/>
+            <a:ahLst/>
+            <a:cxnLst/>
+            <a:rect l="l" t="t" r="r" b="b"/>
+            <a:pathLst>
+              <a:path w="120000" h="120000" extrusionOk="0">
+                <a:moveTo>
+                  <a:pt x="0" y="0"/>
+                </a:moveTo>
+                <a:lnTo>
+                  <a:pt x="120000" y="0"/>
+                </a:lnTo>
+                <a:lnTo>
+                  <a:pt x="120000" y="120000"/>
+                </a:lnTo>
+                <a:lnTo>
+                  <a:pt x="0" y="120000"/>
+                </a:lnTo>
+                <a:close/>
+              </a:path>
+            </a:pathLst>
+          </a:custGeom>
+          <a:noFill/>
+          <a:ln w="9525" cap="flat" cmpd="sng">
+            <a:solidFill>
+              <a:srgbClr val="000000"/>
+            </a:solidFill>
+            <a:prstDash val="solid"/>
+            <a:miter lim="800000"/>
+            <a:headEnd type="none" w="sm" len="sm"/>
+            <a:tailEnd type="none" w="sm" len="sm"/>
+          </a:ln>
+        </p:spPr>
+      </p:sp>
+      <p:sp>
+        <p:nvSpPr>
+          <p:cNvPr id="86" name="Google Shape;86;p1:notes">
+            <a:extLst>
+              <a:ext uri="{FF2B5EF4-FFF2-40B4-BE49-F238E27FC236}">
+                <a16:creationId xmlns:a16="http://schemas.microsoft.com/office/drawing/2014/main" id="{E74BAB89-721F-925F-71EF-6024FFDDAA4A}"/>
+              </a:ext>
+            </a:extLst>
+          </p:cNvPr>
+          <p:cNvSpPr txBox="1">
+            <a:spLocks noGrp="1"/>
+          </p:cNvSpPr>
+          <p:nvPr>
+            <p:ph type="body" idx="1"/>
+          </p:nvPr>
+        </p:nvSpPr>
+        <p:spPr>
+          <a:xfrm>
+            <a:off x="701675" y="4416425"/>
+            <a:ext cx="5607050" cy="4183063"/>
+          </a:xfrm>
+          <a:prstGeom prst="rect">
+            <a:avLst/>
+          </a:prstGeom>
+          <a:noFill/>
+          <a:ln>
+            <a:noFill/>
+          </a:ln>
+        </p:spPr>
+        <p:txBody>
+          <a:bodyPr spcFirstLastPara="1" wrap="square" lIns="93150" tIns="46575" rIns="93150" bIns="46575" anchor="t" anchorCtr="0">
+            <a:noAutofit/>
+          </a:bodyPr>
+          <a:lstStyle/>
+          <a:p>
+            <a:pPr marL="0" lvl="0" indent="0" algn="l" rtl="0">
+              <a:spcBef>
+                <a:spcPts val="0"/>
+              </a:spcBef>
+              <a:spcAft>
+                <a:spcPts val="0"/>
+              </a:spcAft>
+              <a:buNone/>
+            </a:pPr>
+            <a:endParaRPr dirty="0"/>
+          </a:p>
+        </p:txBody>
+      </p:sp>
+      <p:sp>
+        <p:nvSpPr>
+          <p:cNvPr id="87" name="Google Shape;87;p1:notes">
+            <a:extLst>
+              <a:ext uri="{FF2B5EF4-FFF2-40B4-BE49-F238E27FC236}">
+                <a16:creationId xmlns:a16="http://schemas.microsoft.com/office/drawing/2014/main" id="{648F9AB6-6E04-7399-8258-5C868EB882FD}"/>
+              </a:ext>
+            </a:extLst>
+          </p:cNvPr>
+          <p:cNvSpPr txBox="1">
+            <a:spLocks noGrp="1"/>
+          </p:cNvSpPr>
+          <p:nvPr>
+            <p:ph type="sldNum" idx="12"/>
+          </p:nvPr>
+        </p:nvSpPr>
+        <p:spPr>
+          <a:xfrm>
+            <a:off x="3970338" y="8829675"/>
+            <a:ext cx="3038475" cy="465138"/>
+          </a:xfrm>
+          <a:prstGeom prst="rect">
+            <a:avLst/>
+          </a:prstGeom>
+          <a:noFill/>
+          <a:ln>
+            <a:noFill/>
+          </a:ln>
+        </p:spPr>
+        <p:txBody>
+          <a:bodyPr spcFirstLastPara="1" wrap="square" lIns="93150" tIns="46575" rIns="93150" bIns="46575" anchor="b" anchorCtr="0">
+            <a:noAutofit/>
+          </a:bodyPr>
+          <a:lstStyle/>
+          <a:p>
+            <a:pPr marL="0" marR="0" lvl="0" indent="0" algn="r" rtl="0">
+              <a:spcBef>
+                <a:spcPts val="0"/>
+              </a:spcBef>
+              <a:spcAft>
+                <a:spcPts val="0"/>
+              </a:spcAft>
+              <a:buNone/>
+            </a:pPr>
+            <a:fld id="{00000000-1234-1234-1234-123412341234}" type="slidenum">
+              <a:rPr lang="en-US" sz="1200" b="0" i="0" u="none" strike="noStrike" cap="none">
+                <a:solidFill>
+                  <a:schemeClr val="dk1"/>
+                </a:solidFill>
+                <a:latin typeface="Calibri"/>
+                <a:ea typeface="Calibri"/>
+                <a:cs typeface="Calibri"/>
+                <a:sym typeface="Calibri"/>
+              </a:rPr>
+              <a:t>3</a:t>
+            </a:fld>
+            <a:endParaRPr sz="1200" b="0" i="0" u="none" strike="noStrike" cap="none">
+              <a:solidFill>
+                <a:schemeClr val="dk1"/>
+              </a:solidFill>
+              <a:latin typeface="Calibri"/>
+              <a:ea typeface="Calibri"/>
+              <a:cs typeface="Calibri"/>
+              <a:sym typeface="Calibri"/>
+            </a:endParaRPr>
+          </a:p>
+        </p:txBody>
+      </p:sp>
+    </p:spTree>
+    <p:extLst>
+      <p:ext uri="{BB962C8B-B14F-4D97-AF65-F5344CB8AC3E}">
+        <p14:creationId xmlns:p14="http://schemas.microsoft.com/office/powerpoint/2010/main" val="1413431292"/>
+      </p:ext>
+    </p:extLst>
+  </p:cSld>
+  <p:clrMapOvr>
+    <a:masterClrMapping/>
+  </p:clrMapOvr>
+</p:notes>
+</file>
+
+<file path=ppt/notesSlides/notesSlide3.xml><?xml version="1.0" encoding="utf-8"?>
+<p:notes xmlns:a="http://schemas.openxmlformats.org/drawingml/2006/main" xmlns:r="http://schemas.openxmlformats.org/officeDocument/2006/relationships" xmlns:p="http://schemas.openxmlformats.org/presentationml/2006/main" showMasterSp="0" showMasterPhAnim="0">
+  <p:cSld>
+    <p:spTree>
+      <p:nvGrpSpPr>
+        <p:cNvPr id="1" name="Shape 84">
+          <a:extLst>
+            <a:ext uri="{FF2B5EF4-FFF2-40B4-BE49-F238E27FC236}">
+              <a16:creationId xmlns:a16="http://schemas.microsoft.com/office/drawing/2014/main" id="{D9B10259-DB55-820C-65F3-AEB24A9098A1}"/>
+            </a:ext>
+          </a:extLst>
+        </p:cNvPr>
+        <p:cNvGrpSpPr/>
+        <p:nvPr/>
+      </p:nvGrpSpPr>
+      <p:grpSpPr>
+        <a:xfrm>
+          <a:off x="0" y="0"/>
+          <a:ext cx="0" cy="0"/>
+          <a:chOff x="0" y="0"/>
+          <a:chExt cx="0" cy="0"/>
+        </a:xfrm>
+      </p:grpSpPr>
+      <p:sp>
+        <p:nvSpPr>
+          <p:cNvPr id="85" name="Google Shape;85;p1:notes">
+            <a:extLst>
+              <a:ext uri="{FF2B5EF4-FFF2-40B4-BE49-F238E27FC236}">
+                <a16:creationId xmlns:a16="http://schemas.microsoft.com/office/drawing/2014/main" id="{DACA554F-022F-F652-38DF-E4B40C864AF7}"/>
+              </a:ext>
+            </a:extLst>
+          </p:cNvPr>
+          <p:cNvSpPr>
+            <a:spLocks noGrp="1" noRot="1" noChangeAspect="1"/>
+          </p:cNvSpPr>
+          <p:nvPr>
+            <p:ph type="sldImg" idx="2"/>
+          </p:nvPr>
+        </p:nvSpPr>
+        <p:spPr>
+          <a:xfrm>
+            <a:off x="1568450" y="696913"/>
+            <a:ext cx="3873500" cy="3486150"/>
+          </a:xfrm>
+          <a:custGeom>
+            <a:avLst/>
+            <a:gdLst/>
+            <a:ahLst/>
+            <a:cxnLst/>
+            <a:rect l="l" t="t" r="r" b="b"/>
+            <a:pathLst>
+              <a:path w="120000" h="120000" extrusionOk="0">
+                <a:moveTo>
+                  <a:pt x="0" y="0"/>
+                </a:moveTo>
+                <a:lnTo>
+                  <a:pt x="120000" y="0"/>
+                </a:lnTo>
+                <a:lnTo>
+                  <a:pt x="120000" y="120000"/>
+                </a:lnTo>
+                <a:lnTo>
+                  <a:pt x="0" y="120000"/>
+                </a:lnTo>
+                <a:close/>
+              </a:path>
+            </a:pathLst>
+          </a:custGeom>
+          <a:noFill/>
+          <a:ln w="9525" cap="flat" cmpd="sng">
+            <a:solidFill>
+              <a:srgbClr val="000000"/>
+            </a:solidFill>
+            <a:prstDash val="solid"/>
+            <a:miter lim="800000"/>
+            <a:headEnd type="none" w="sm" len="sm"/>
+            <a:tailEnd type="none" w="sm" len="sm"/>
+          </a:ln>
+        </p:spPr>
+      </p:sp>
+      <p:sp>
+        <p:nvSpPr>
+          <p:cNvPr id="86" name="Google Shape;86;p1:notes">
+            <a:extLst>
+              <a:ext uri="{FF2B5EF4-FFF2-40B4-BE49-F238E27FC236}">
+                <a16:creationId xmlns:a16="http://schemas.microsoft.com/office/drawing/2014/main" id="{5CF9F3CB-59AE-9F2F-ED00-31136DC7DB9C}"/>
+              </a:ext>
+            </a:extLst>
+          </p:cNvPr>
+          <p:cNvSpPr txBox="1">
+            <a:spLocks noGrp="1"/>
+          </p:cNvSpPr>
+          <p:nvPr>
+            <p:ph type="body" idx="1"/>
+          </p:nvPr>
+        </p:nvSpPr>
+        <p:spPr>
+          <a:xfrm>
+            <a:off x="701675" y="4416425"/>
+            <a:ext cx="5607050" cy="4183063"/>
+          </a:xfrm>
+          <a:prstGeom prst="rect">
+            <a:avLst/>
+          </a:prstGeom>
+          <a:noFill/>
+          <a:ln>
+            <a:noFill/>
+          </a:ln>
+        </p:spPr>
+        <p:txBody>
+          <a:bodyPr spcFirstLastPara="1" wrap="square" lIns="93150" tIns="46575" rIns="93150" bIns="46575" anchor="t" anchorCtr="0">
+            <a:noAutofit/>
+          </a:bodyPr>
+          <a:lstStyle/>
+          <a:p>
+            <a:pPr marL="0" lvl="0" indent="0" algn="l" rtl="0">
+              <a:spcBef>
+                <a:spcPts val="0"/>
+              </a:spcBef>
+              <a:spcAft>
+                <a:spcPts val="0"/>
+              </a:spcAft>
+              <a:buNone/>
+            </a:pPr>
+            <a:endParaRPr dirty="0"/>
+          </a:p>
+        </p:txBody>
+      </p:sp>
+      <p:sp>
+        <p:nvSpPr>
+          <p:cNvPr id="87" name="Google Shape;87;p1:notes">
+            <a:extLst>
+              <a:ext uri="{FF2B5EF4-FFF2-40B4-BE49-F238E27FC236}">
+                <a16:creationId xmlns:a16="http://schemas.microsoft.com/office/drawing/2014/main" id="{CE52BCB1-9B9D-6AE1-AF13-22C9BA81CE81}"/>
+              </a:ext>
+            </a:extLst>
+          </p:cNvPr>
+          <p:cNvSpPr txBox="1">
+            <a:spLocks noGrp="1"/>
+          </p:cNvSpPr>
+          <p:nvPr>
+            <p:ph type="sldNum" idx="12"/>
+          </p:nvPr>
+        </p:nvSpPr>
+        <p:spPr>
+          <a:xfrm>
+            <a:off x="3970338" y="8829675"/>
+            <a:ext cx="3038475" cy="465138"/>
+          </a:xfrm>
+          <a:prstGeom prst="rect">
+            <a:avLst/>
+          </a:prstGeom>
+          <a:noFill/>
+          <a:ln>
+            <a:noFill/>
+          </a:ln>
+        </p:spPr>
+        <p:txBody>
+          <a:bodyPr spcFirstLastPara="1" wrap="square" lIns="93150" tIns="46575" rIns="93150" bIns="46575" anchor="b" anchorCtr="0">
+            <a:noAutofit/>
+          </a:bodyPr>
+          <a:lstStyle/>
+          <a:p>
+            <a:pPr marL="0" marR="0" lvl="0" indent="0" algn="r" rtl="0">
+              <a:spcBef>
+                <a:spcPts val="0"/>
+              </a:spcBef>
+              <a:spcAft>
+                <a:spcPts val="0"/>
+              </a:spcAft>
+              <a:buNone/>
+            </a:pPr>
+            <a:fld id="{00000000-1234-1234-1234-123412341234}" type="slidenum">
+              <a:rPr lang="en-US" sz="1200" b="0" i="0" u="none" strike="noStrike" cap="none">
+                <a:solidFill>
+                  <a:schemeClr val="dk1"/>
+                </a:solidFill>
+                <a:latin typeface="Calibri"/>
+                <a:ea typeface="Calibri"/>
+                <a:cs typeface="Calibri"/>
+                <a:sym typeface="Calibri"/>
+              </a:rPr>
+              <a:t>4</a:t>
+            </a:fld>
+            <a:endParaRPr sz="1200" b="0" i="0" u="none" strike="noStrike" cap="none">
+              <a:solidFill>
+                <a:schemeClr val="dk1"/>
+              </a:solidFill>
+              <a:latin typeface="Calibri"/>
+              <a:ea typeface="Calibri"/>
+              <a:cs typeface="Calibri"/>
+              <a:sym typeface="Calibri"/>
+            </a:endParaRPr>
+          </a:p>
+        </p:txBody>
+      </p:sp>
+    </p:spTree>
+    <p:extLst>
+      <p:ext uri="{BB962C8B-B14F-4D97-AF65-F5344CB8AC3E}">
+        <p14:creationId xmlns:p14="http://schemas.microsoft.com/office/powerpoint/2010/main" val="1271503778"/>
+      </p:ext>
+    </p:extLst>
   </p:cSld>
   <p:clrMapOvr>
     <a:masterClrMapping/>
@@ -11114,6 +11534,167 @@
 </p:sld>
 </file>
 
+<file path=ppt/slides/slide3.xml><?xml version="1.0" encoding="utf-8"?>
+<p:sld xmlns:a="http://schemas.openxmlformats.org/drawingml/2006/main" xmlns:r="http://schemas.openxmlformats.org/officeDocument/2006/relationships" xmlns:p="http://schemas.openxmlformats.org/presentationml/2006/main">
+  <p:cSld>
+    <p:bg>
+      <p:bgPr>
+        <a:solidFill>
+          <a:schemeClr val="lt1"/>
+        </a:solidFill>
+        <a:effectLst/>
+      </p:bgPr>
+    </p:bg>
+    <p:spTree>
+      <p:nvGrpSpPr>
+        <p:cNvPr id="1" name="Shape 88">
+          <a:extLst>
+            <a:ext uri="{FF2B5EF4-FFF2-40B4-BE49-F238E27FC236}">
+              <a16:creationId xmlns:a16="http://schemas.microsoft.com/office/drawing/2014/main" id="{5692E72E-F570-5052-8CF8-A82F148424EE}"/>
+            </a:ext>
+          </a:extLst>
+        </p:cNvPr>
+        <p:cNvGrpSpPr/>
+        <p:nvPr/>
+      </p:nvGrpSpPr>
+      <p:grpSpPr>
+        <a:xfrm>
+          <a:off x="0" y="0"/>
+          <a:ext cx="0" cy="0"/>
+          <a:chOff x="0" y="0"/>
+          <a:chExt cx="0" cy="0"/>
+        </a:xfrm>
+      </p:grpSpPr>
+      <p:pic>
+        <p:nvPicPr>
+          <p:cNvPr id="3" name="Graphic 2">
+            <a:extLst>
+              <a:ext uri="{FF2B5EF4-FFF2-40B4-BE49-F238E27FC236}">
+                <a16:creationId xmlns:a16="http://schemas.microsoft.com/office/drawing/2014/main" id="{B6242665-FD12-5593-0674-1B9F705D9C0B}"/>
+              </a:ext>
+            </a:extLst>
+          </p:cNvPr>
+          <p:cNvPicPr>
+            <a:picLocks noChangeAspect="1"/>
+          </p:cNvPicPr>
+          <p:nvPr/>
+        </p:nvPicPr>
+        <p:blipFill>
+          <a:blip r:embed="rId3">
+            <a:extLst>
+              <a:ext uri="{96DAC541-7B7A-43D3-8B79-37D633B846F1}">
+                <asvg:svgBlip xmlns:asvg="http://schemas.microsoft.com/office/drawing/2016/SVG/main" r:embed="rId4"/>
+              </a:ext>
+            </a:extLst>
+          </a:blip>
+          <a:srcRect l="2378" t="6531" r="1037" b="2397"/>
+          <a:stretch>
+            <a:fillRect/>
+          </a:stretch>
+        </p:blipFill>
+        <p:spPr>
+          <a:xfrm>
+            <a:off x="0" y="19756582"/>
+            <a:ext cx="36576000" cy="13161818"/>
+          </a:xfrm>
+          <a:prstGeom prst="rect">
+            <a:avLst/>
+          </a:prstGeom>
+        </p:spPr>
+      </p:pic>
+    </p:spTree>
+    <p:extLst>
+      <p:ext uri="{BB962C8B-B14F-4D97-AF65-F5344CB8AC3E}">
+        <p14:creationId xmlns:p14="http://schemas.microsoft.com/office/powerpoint/2010/main" val="715774129"/>
+      </p:ext>
+    </p:extLst>
+  </p:cSld>
+  <p:clrMapOvr>
+    <a:masterClrMapping/>
+  </p:clrMapOvr>
+</p:sld>
+</file>
+
+<file path=ppt/slides/slide4.xml><?xml version="1.0" encoding="utf-8"?>
+<p:sld xmlns:a="http://schemas.openxmlformats.org/drawingml/2006/main" xmlns:r="http://schemas.openxmlformats.org/officeDocument/2006/relationships" xmlns:p="http://schemas.openxmlformats.org/presentationml/2006/main">
+  <p:cSld>
+    <p:bg>
+      <p:bgPr>
+        <a:solidFill>
+          <a:schemeClr val="lt1"/>
+        </a:solidFill>
+        <a:effectLst/>
+      </p:bgPr>
+    </p:bg>
+    <p:spTree>
+      <p:nvGrpSpPr>
+        <p:cNvPr id="1" name="Shape 88">
+          <a:extLst>
+            <a:ext uri="{FF2B5EF4-FFF2-40B4-BE49-F238E27FC236}">
+              <a16:creationId xmlns:a16="http://schemas.microsoft.com/office/drawing/2014/main" id="{981ED75B-7CF5-D68B-BA78-6749C1536DBA}"/>
+            </a:ext>
+          </a:extLst>
+        </p:cNvPr>
+        <p:cNvGrpSpPr/>
+        <p:nvPr/>
+      </p:nvGrpSpPr>
+      <p:grpSpPr>
+        <a:xfrm>
+          <a:off x="0" y="0"/>
+          <a:ext cx="0" cy="0"/>
+          <a:chOff x="0" y="0"/>
+          <a:chExt cx="0" cy="0"/>
+        </a:xfrm>
+      </p:grpSpPr>
+      <p:pic>
+        <p:nvPicPr>
+          <p:cNvPr id="4" name="Graphic 3">
+            <a:extLst>
+              <a:ext uri="{FF2B5EF4-FFF2-40B4-BE49-F238E27FC236}">
+                <a16:creationId xmlns:a16="http://schemas.microsoft.com/office/drawing/2014/main" id="{4D814F69-03D3-4596-C17A-FA0A7D1734B9}"/>
+              </a:ext>
+            </a:extLst>
+          </p:cNvPr>
+          <p:cNvPicPr>
+            <a:picLocks noChangeAspect="1"/>
+          </p:cNvPicPr>
+          <p:nvPr/>
+        </p:nvPicPr>
+        <p:blipFill>
+          <a:blip r:embed="rId3">
+            <a:extLst>
+              <a:ext uri="{96DAC541-7B7A-43D3-8B79-37D633B846F1}">
+                <asvg:svgBlip xmlns:asvg="http://schemas.microsoft.com/office/drawing/2016/SVG/main" r:embed="rId4"/>
+              </a:ext>
+            </a:extLst>
+          </a:blip>
+          <a:stretch>
+            <a:fillRect/>
+          </a:stretch>
+        </p:blipFill>
+        <p:spPr>
+          <a:xfrm>
+            <a:off x="0" y="0"/>
+            <a:ext cx="36576000" cy="32918400"/>
+          </a:xfrm>
+          <a:prstGeom prst="rect">
+            <a:avLst/>
+          </a:prstGeom>
+        </p:spPr>
+      </p:pic>
+    </p:spTree>
+    <p:extLst>
+      <p:ext uri="{BB962C8B-B14F-4D97-AF65-F5344CB8AC3E}">
+        <p14:creationId xmlns:p14="http://schemas.microsoft.com/office/powerpoint/2010/main" val="1067825993"/>
+      </p:ext>
+    </p:extLst>
+  </p:cSld>
+  <p:clrMapOvr>
+    <a:masterClrMapping/>
+  </p:clrMapOvr>
+</p:sld>
+</file>
+
 <file path=ppt/theme/theme1.xml><?xml version="1.0" encoding="utf-8"?>
 <a:theme xmlns:a="http://schemas.openxmlformats.org/drawingml/2006/main" name="Office Theme">
   <a:themeElements>

--- a/figures/fig5/fig5.pptx
+++ b/figures/fig5/fig5.pptx
@@ -5,13 +5,11 @@
     <p:sldMasterId id="2147483648" r:id="rId1"/>
   </p:sldMasterIdLst>
   <p:notesMasterIdLst>
-    <p:notesMasterId r:id="rId6"/>
+    <p:notesMasterId r:id="rId4"/>
   </p:notesMasterIdLst>
   <p:sldIdLst>
     <p:sldId id="256" r:id="rId2"/>
     <p:sldId id="257" r:id="rId3"/>
-    <p:sldId id="258" r:id="rId4"/>
-    <p:sldId id="259" r:id="rId5"/>
   </p:sldIdLst>
   <p:sldSz cx="36576000" cy="32918400"/>
   <p:notesSz cx="7010400" cy="9296400"/>
@@ -260,7 +258,7 @@
       </p15:sldGuideLst>
     </p:ext>
     <p:ext uri="http://customooxmlschemas.google.com/">
-      <go:slidesCustomData xmlns:go="http://customooxmlschemas.google.com/" xmlns:ahyp="http://schemas.microsoft.com/office/drawing/2018/hyperlinkcolor" xmlns:p15="http://schemas.microsoft.com/office/powerpoint/2012/main" xmlns:p14="http://schemas.microsoft.com/office/powerpoint/2010/main" xmlns:com="http://schemas.openxmlformats.org/drawingml/2006/compatibility" xmlns:pvml="urn:schemas-microsoft-com:office:powerpoint" xmlns:v="urn:schemas-microsoft-com:vml" xmlns:o="urn:schemas-microsoft-com:office:office" xmlns:dgm="http://schemas.openxmlformats.org/drawingml/2006/diagram" xmlns:c="http://schemas.openxmlformats.org/drawingml/2006/chart" xmlns:mv="urn:schemas-microsoft-com:mac:vml" xmlns:mc="http://schemas.openxmlformats.org/markup-compatibility/2006" xmlns="" r:id="rId10" roundtripDataSignature="AMtx7mhiytGPk8UOxiAGs9KaAxakDbg4SQ=="/>
+      <go:slidesCustomData xmlns="" xmlns:mc="http://schemas.openxmlformats.org/markup-compatibility/2006" xmlns:mv="urn:schemas-microsoft-com:mac:vml" xmlns:c="http://schemas.openxmlformats.org/drawingml/2006/chart" xmlns:dgm="http://schemas.openxmlformats.org/drawingml/2006/diagram" xmlns:o="urn:schemas-microsoft-com:office:office" xmlns:v="urn:schemas-microsoft-com:vml" xmlns:pvml="urn:schemas-microsoft-com:office:powerpoint" xmlns:com="http://schemas.openxmlformats.org/drawingml/2006/compatibility" xmlns:p14="http://schemas.microsoft.com/office/powerpoint/2010/main" xmlns:p15="http://schemas.microsoft.com/office/powerpoint/2012/main" xmlns:ahyp="http://schemas.microsoft.com/office/drawing/2018/hyperlinkcolor" xmlns:go="http://customooxmlschemas.google.com/" r:id="rId10" roundtripDataSignature="AMtx7mhiytGPk8UOxiAGs9KaAxakDbg4SQ=="/>
     </p:ext>
   </p:extLst>
 </p:presentation>
@@ -1647,7 +1645,7 @@
         <p:cNvPr id="1" name="Shape 84">
           <a:extLst>
             <a:ext uri="{FF2B5EF4-FFF2-40B4-BE49-F238E27FC236}">
-              <a16:creationId xmlns:a16="http://schemas.microsoft.com/office/drawing/2014/main" id="{1503F79B-DA03-414A-C97D-1E4C27875988}"/>
+              <a16:creationId xmlns:a16="http://schemas.microsoft.com/office/drawing/2014/main" id="{AAE1CFCB-3020-94B7-B07D-731465C01B52}"/>
             </a:ext>
           </a:extLst>
         </p:cNvPr>
@@ -1667,7 +1665,7 @@
           <p:cNvPr id="85" name="Google Shape;85;p1:notes">
             <a:extLst>
               <a:ext uri="{FF2B5EF4-FFF2-40B4-BE49-F238E27FC236}">
-                <a16:creationId xmlns:a16="http://schemas.microsoft.com/office/drawing/2014/main" id="{5C8C61BF-8AF1-3C31-3FAF-423F2C313B66}"/>
+                <a16:creationId xmlns:a16="http://schemas.microsoft.com/office/drawing/2014/main" id="{E1448E89-2091-3120-17F7-E71E5A3356DF}"/>
               </a:ext>
             </a:extLst>
           </p:cNvPr>
@@ -1724,7 +1722,7 @@
           <p:cNvPr id="86" name="Google Shape;86;p1:notes">
             <a:extLst>
               <a:ext uri="{FF2B5EF4-FFF2-40B4-BE49-F238E27FC236}">
-                <a16:creationId xmlns:a16="http://schemas.microsoft.com/office/drawing/2014/main" id="{E74BAB89-721F-925F-71EF-6024FFDDAA4A}"/>
+                <a16:creationId xmlns:a16="http://schemas.microsoft.com/office/drawing/2014/main" id="{35B4AED8-E941-CD1C-5E8F-D21A96CC1EB5}"/>
               </a:ext>
             </a:extLst>
           </p:cNvPr>
@@ -1772,7 +1770,7 @@
           <p:cNvPr id="87" name="Google Shape;87;p1:notes">
             <a:extLst>
               <a:ext uri="{FF2B5EF4-FFF2-40B4-BE49-F238E27FC236}">
-                <a16:creationId xmlns:a16="http://schemas.microsoft.com/office/drawing/2014/main" id="{648F9AB6-6E04-7399-8258-5C868EB882FD}"/>
+                <a16:creationId xmlns:a16="http://schemas.microsoft.com/office/drawing/2014/main" id="{38FE475B-7FF0-4544-8B93-69A579E78A2E}"/>
               </a:ext>
             </a:extLst>
           </p:cNvPr>
@@ -1821,7 +1819,7 @@
                 <a:cs typeface="Calibri"/>
                 <a:sym typeface="Calibri"/>
               </a:rPr>
-              <a:t>3</a:t>
+              <a:t>2</a:t>
             </a:fld>
             <a:endParaRPr sz="1200" b="0" i="0" u="none" strike="noStrike" cap="none">
               <a:solidFill>
@@ -1838,216 +1836,7 @@
     </p:spTree>
     <p:extLst>
       <p:ext uri="{BB962C8B-B14F-4D97-AF65-F5344CB8AC3E}">
-        <p14:creationId xmlns:p14="http://schemas.microsoft.com/office/powerpoint/2010/main" val="1413431292"/>
-      </p:ext>
-    </p:extLst>
-  </p:cSld>
-  <p:clrMapOvr>
-    <a:masterClrMapping/>
-  </p:clrMapOvr>
-</p:notes>
-</file>
-
-<file path=ppt/notesSlides/notesSlide3.xml><?xml version="1.0" encoding="utf-8"?>
-<p:notes xmlns:a="http://schemas.openxmlformats.org/drawingml/2006/main" xmlns:r="http://schemas.openxmlformats.org/officeDocument/2006/relationships" xmlns:p="http://schemas.openxmlformats.org/presentationml/2006/main" showMasterSp="0" showMasterPhAnim="0">
-  <p:cSld>
-    <p:spTree>
-      <p:nvGrpSpPr>
-        <p:cNvPr id="1" name="Shape 84">
-          <a:extLst>
-            <a:ext uri="{FF2B5EF4-FFF2-40B4-BE49-F238E27FC236}">
-              <a16:creationId xmlns:a16="http://schemas.microsoft.com/office/drawing/2014/main" id="{D9B10259-DB55-820C-65F3-AEB24A9098A1}"/>
-            </a:ext>
-          </a:extLst>
-        </p:cNvPr>
-        <p:cNvGrpSpPr/>
-        <p:nvPr/>
-      </p:nvGrpSpPr>
-      <p:grpSpPr>
-        <a:xfrm>
-          <a:off x="0" y="0"/>
-          <a:ext cx="0" cy="0"/>
-          <a:chOff x="0" y="0"/>
-          <a:chExt cx="0" cy="0"/>
-        </a:xfrm>
-      </p:grpSpPr>
-      <p:sp>
-        <p:nvSpPr>
-          <p:cNvPr id="85" name="Google Shape;85;p1:notes">
-            <a:extLst>
-              <a:ext uri="{FF2B5EF4-FFF2-40B4-BE49-F238E27FC236}">
-                <a16:creationId xmlns:a16="http://schemas.microsoft.com/office/drawing/2014/main" id="{DACA554F-022F-F652-38DF-E4B40C864AF7}"/>
-              </a:ext>
-            </a:extLst>
-          </p:cNvPr>
-          <p:cNvSpPr>
-            <a:spLocks noGrp="1" noRot="1" noChangeAspect="1"/>
-          </p:cNvSpPr>
-          <p:nvPr>
-            <p:ph type="sldImg" idx="2"/>
-          </p:nvPr>
-        </p:nvSpPr>
-        <p:spPr>
-          <a:xfrm>
-            <a:off x="1568450" y="696913"/>
-            <a:ext cx="3873500" cy="3486150"/>
-          </a:xfrm>
-          <a:custGeom>
-            <a:avLst/>
-            <a:gdLst/>
-            <a:ahLst/>
-            <a:cxnLst/>
-            <a:rect l="l" t="t" r="r" b="b"/>
-            <a:pathLst>
-              <a:path w="120000" h="120000" extrusionOk="0">
-                <a:moveTo>
-                  <a:pt x="0" y="0"/>
-                </a:moveTo>
-                <a:lnTo>
-                  <a:pt x="120000" y="0"/>
-                </a:lnTo>
-                <a:lnTo>
-                  <a:pt x="120000" y="120000"/>
-                </a:lnTo>
-                <a:lnTo>
-                  <a:pt x="0" y="120000"/>
-                </a:lnTo>
-                <a:close/>
-              </a:path>
-            </a:pathLst>
-          </a:custGeom>
-          <a:noFill/>
-          <a:ln w="9525" cap="flat" cmpd="sng">
-            <a:solidFill>
-              <a:srgbClr val="000000"/>
-            </a:solidFill>
-            <a:prstDash val="solid"/>
-            <a:miter lim="800000"/>
-            <a:headEnd type="none" w="sm" len="sm"/>
-            <a:tailEnd type="none" w="sm" len="sm"/>
-          </a:ln>
-        </p:spPr>
-      </p:sp>
-      <p:sp>
-        <p:nvSpPr>
-          <p:cNvPr id="86" name="Google Shape;86;p1:notes">
-            <a:extLst>
-              <a:ext uri="{FF2B5EF4-FFF2-40B4-BE49-F238E27FC236}">
-                <a16:creationId xmlns:a16="http://schemas.microsoft.com/office/drawing/2014/main" id="{5CF9F3CB-59AE-9F2F-ED00-31136DC7DB9C}"/>
-              </a:ext>
-            </a:extLst>
-          </p:cNvPr>
-          <p:cNvSpPr txBox="1">
-            <a:spLocks noGrp="1"/>
-          </p:cNvSpPr>
-          <p:nvPr>
-            <p:ph type="body" idx="1"/>
-          </p:nvPr>
-        </p:nvSpPr>
-        <p:spPr>
-          <a:xfrm>
-            <a:off x="701675" y="4416425"/>
-            <a:ext cx="5607050" cy="4183063"/>
-          </a:xfrm>
-          <a:prstGeom prst="rect">
-            <a:avLst/>
-          </a:prstGeom>
-          <a:noFill/>
-          <a:ln>
-            <a:noFill/>
-          </a:ln>
-        </p:spPr>
-        <p:txBody>
-          <a:bodyPr spcFirstLastPara="1" wrap="square" lIns="93150" tIns="46575" rIns="93150" bIns="46575" anchor="t" anchorCtr="0">
-            <a:noAutofit/>
-          </a:bodyPr>
-          <a:lstStyle/>
-          <a:p>
-            <a:pPr marL="0" lvl="0" indent="0" algn="l" rtl="0">
-              <a:spcBef>
-                <a:spcPts val="0"/>
-              </a:spcBef>
-              <a:spcAft>
-                <a:spcPts val="0"/>
-              </a:spcAft>
-              <a:buNone/>
-            </a:pPr>
-            <a:endParaRPr dirty="0"/>
-          </a:p>
-        </p:txBody>
-      </p:sp>
-      <p:sp>
-        <p:nvSpPr>
-          <p:cNvPr id="87" name="Google Shape;87;p1:notes">
-            <a:extLst>
-              <a:ext uri="{FF2B5EF4-FFF2-40B4-BE49-F238E27FC236}">
-                <a16:creationId xmlns:a16="http://schemas.microsoft.com/office/drawing/2014/main" id="{CE52BCB1-9B9D-6AE1-AF13-22C9BA81CE81}"/>
-              </a:ext>
-            </a:extLst>
-          </p:cNvPr>
-          <p:cNvSpPr txBox="1">
-            <a:spLocks noGrp="1"/>
-          </p:cNvSpPr>
-          <p:nvPr>
-            <p:ph type="sldNum" idx="12"/>
-          </p:nvPr>
-        </p:nvSpPr>
-        <p:spPr>
-          <a:xfrm>
-            <a:off x="3970338" y="8829675"/>
-            <a:ext cx="3038475" cy="465138"/>
-          </a:xfrm>
-          <a:prstGeom prst="rect">
-            <a:avLst/>
-          </a:prstGeom>
-          <a:noFill/>
-          <a:ln>
-            <a:noFill/>
-          </a:ln>
-        </p:spPr>
-        <p:txBody>
-          <a:bodyPr spcFirstLastPara="1" wrap="square" lIns="93150" tIns="46575" rIns="93150" bIns="46575" anchor="b" anchorCtr="0">
-            <a:noAutofit/>
-          </a:bodyPr>
-          <a:lstStyle/>
-          <a:p>
-            <a:pPr marL="0" marR="0" lvl="0" indent="0" algn="r" rtl="0">
-              <a:spcBef>
-                <a:spcPts val="0"/>
-              </a:spcBef>
-              <a:spcAft>
-                <a:spcPts val="0"/>
-              </a:spcAft>
-              <a:buNone/>
-            </a:pPr>
-            <a:fld id="{00000000-1234-1234-1234-123412341234}" type="slidenum">
-              <a:rPr lang="en-US" sz="1200" b="0" i="0" u="none" strike="noStrike" cap="none">
-                <a:solidFill>
-                  <a:schemeClr val="dk1"/>
-                </a:solidFill>
-                <a:latin typeface="Calibri"/>
-                <a:ea typeface="Calibri"/>
-                <a:cs typeface="Calibri"/>
-                <a:sym typeface="Calibri"/>
-              </a:rPr>
-              <a:t>4</a:t>
-            </a:fld>
-            <a:endParaRPr sz="1200" b="0" i="0" u="none" strike="noStrike" cap="none">
-              <a:solidFill>
-                <a:schemeClr val="dk1"/>
-              </a:solidFill>
-              <a:latin typeface="Calibri"/>
-              <a:ea typeface="Calibri"/>
-              <a:cs typeface="Calibri"/>
-              <a:sym typeface="Calibri"/>
-            </a:endParaRPr>
-          </a:p>
-        </p:txBody>
-      </p:sp>
-    </p:spTree>
-    <p:extLst>
-      <p:ext uri="{BB962C8B-B14F-4D97-AF65-F5344CB8AC3E}">
-        <p14:creationId xmlns:p14="http://schemas.microsoft.com/office/powerpoint/2010/main" val="1271503778"/>
+        <p14:creationId xmlns:p14="http://schemas.microsoft.com/office/powerpoint/2010/main" val="2417805071"/>
       </p:ext>
     </p:extLst>
   </p:cSld>
@@ -2558,835 +2347,6 @@
 </file>
 
 <file path=ppt/slideLayouts/slideLayout2.xml><?xml version="1.0" encoding="utf-8"?>
-<p:sldLayout xmlns:a="http://schemas.openxmlformats.org/drawingml/2006/main" xmlns:r="http://schemas.openxmlformats.org/officeDocument/2006/relationships" xmlns:p="http://schemas.openxmlformats.org/presentationml/2006/main" matchingName="Section Header" type="secHead">
-  <p:cSld name="SECTION_HEADER">
-    <p:spTree>
-      <p:nvGrpSpPr>
-        <p:cNvPr id="1" name="Shape 31"/>
-        <p:cNvGrpSpPr/>
-        <p:nvPr/>
-      </p:nvGrpSpPr>
-      <p:grpSpPr>
-        <a:xfrm>
-          <a:off x="0" y="0"/>
-          <a:ext cx="0" cy="0"/>
-          <a:chOff x="0" y="0"/>
-          <a:chExt cx="0" cy="0"/>
-        </a:xfrm>
-      </p:grpSpPr>
-      <p:sp>
-        <p:nvSpPr>
-          <p:cNvPr id="32" name="Google Shape;32;p6"/>
-          <p:cNvSpPr txBox="1">
-            <a:spLocks noGrp="1"/>
-          </p:cNvSpPr>
-          <p:nvPr>
-            <p:ph type="title"/>
-          </p:nvPr>
-        </p:nvSpPr>
-        <p:spPr>
-          <a:xfrm>
-            <a:off x="2889253" y="21153122"/>
-            <a:ext cx="31089600" cy="6537960"/>
-          </a:xfrm>
-          <a:prstGeom prst="rect">
-            <a:avLst/>
-          </a:prstGeom>
-          <a:noFill/>
-          <a:ln>
-            <a:noFill/>
-          </a:ln>
-        </p:spPr>
-        <p:txBody>
-          <a:bodyPr spcFirstLastPara="1" wrap="square" lIns="349525" tIns="174750" rIns="349525" bIns="174750" anchor="t" anchorCtr="0">
-            <a:noAutofit/>
-          </a:bodyPr>
-          <a:lstStyle>
-            <a:lvl1pPr lvl="0" algn="l">
-              <a:spcBef>
-                <a:spcPts val="0"/>
-              </a:spcBef>
-              <a:spcAft>
-                <a:spcPts val="0"/>
-              </a:spcAft>
-              <a:buSzPts val="1400"/>
-              <a:buNone/>
-              <a:defRPr sz="15545" b="1" cap="none"/>
-            </a:lvl1pPr>
-            <a:lvl2pPr lvl="1" algn="ctr">
-              <a:spcBef>
-                <a:spcPts val="0"/>
-              </a:spcBef>
-              <a:spcAft>
-                <a:spcPts val="0"/>
-              </a:spcAft>
-              <a:buSzPts val="1400"/>
-              <a:buNone/>
-              <a:defRPr/>
-            </a:lvl2pPr>
-            <a:lvl3pPr lvl="2" algn="ctr">
-              <a:spcBef>
-                <a:spcPts val="0"/>
-              </a:spcBef>
-              <a:spcAft>
-                <a:spcPts val="0"/>
-              </a:spcAft>
-              <a:buSzPts val="1400"/>
-              <a:buNone/>
-              <a:defRPr/>
-            </a:lvl3pPr>
-            <a:lvl4pPr lvl="3" algn="ctr">
-              <a:spcBef>
-                <a:spcPts val="0"/>
-              </a:spcBef>
-              <a:spcAft>
-                <a:spcPts val="0"/>
-              </a:spcAft>
-              <a:buSzPts val="1400"/>
-              <a:buNone/>
-              <a:defRPr/>
-            </a:lvl4pPr>
-            <a:lvl5pPr lvl="4" algn="ctr">
-              <a:spcBef>
-                <a:spcPts val="0"/>
-              </a:spcBef>
-              <a:spcAft>
-                <a:spcPts val="0"/>
-              </a:spcAft>
-              <a:buSzPts val="1400"/>
-              <a:buNone/>
-              <a:defRPr/>
-            </a:lvl5pPr>
-            <a:lvl6pPr lvl="5" algn="ctr">
-              <a:spcBef>
-                <a:spcPts val="0"/>
-              </a:spcBef>
-              <a:spcAft>
-                <a:spcPts val="0"/>
-              </a:spcAft>
-              <a:buSzPts val="1400"/>
-              <a:buNone/>
-              <a:defRPr/>
-            </a:lvl6pPr>
-            <a:lvl7pPr lvl="6" algn="ctr">
-              <a:spcBef>
-                <a:spcPts val="0"/>
-              </a:spcBef>
-              <a:spcAft>
-                <a:spcPts val="0"/>
-              </a:spcAft>
-              <a:buSzPts val="1400"/>
-              <a:buNone/>
-              <a:defRPr/>
-            </a:lvl7pPr>
-            <a:lvl8pPr lvl="7" algn="ctr">
-              <a:spcBef>
-                <a:spcPts val="0"/>
-              </a:spcBef>
-              <a:spcAft>
-                <a:spcPts val="0"/>
-              </a:spcAft>
-              <a:buSzPts val="1400"/>
-              <a:buNone/>
-              <a:defRPr/>
-            </a:lvl8pPr>
-            <a:lvl9pPr lvl="8" algn="ctr">
-              <a:spcBef>
-                <a:spcPts val="0"/>
-              </a:spcBef>
-              <a:spcAft>
-                <a:spcPts val="0"/>
-              </a:spcAft>
-              <a:buSzPts val="1400"/>
-              <a:buNone/>
-              <a:defRPr/>
-            </a:lvl9pPr>
-          </a:lstStyle>
-          <a:p>
-            <a:endParaRPr/>
-          </a:p>
-        </p:txBody>
-      </p:sp>
-      <p:sp>
-        <p:nvSpPr>
-          <p:cNvPr id="33" name="Google Shape;33;p6"/>
-          <p:cNvSpPr txBox="1">
-            <a:spLocks noGrp="1"/>
-          </p:cNvSpPr>
-          <p:nvPr>
-            <p:ph type="body" idx="1"/>
-          </p:nvPr>
-        </p:nvSpPr>
-        <p:spPr>
-          <a:xfrm>
-            <a:off x="2889253" y="13952226"/>
-            <a:ext cx="31089600" cy="7200898"/>
-          </a:xfrm>
-          <a:prstGeom prst="rect">
-            <a:avLst/>
-          </a:prstGeom>
-          <a:noFill/>
-          <a:ln>
-            <a:noFill/>
-          </a:ln>
-        </p:spPr>
-        <p:txBody>
-          <a:bodyPr spcFirstLastPara="1" wrap="square" lIns="349525" tIns="174750" rIns="349525" bIns="174750" anchor="b" anchorCtr="0">
-            <a:noAutofit/>
-          </a:bodyPr>
-          <a:lstStyle>
-            <a:lvl1pPr marL="457200" lvl="0" indent="-228600" algn="l">
-              <a:spcBef>
-                <a:spcPts val="1544"/>
-              </a:spcBef>
-              <a:spcAft>
-                <a:spcPts val="0"/>
-              </a:spcAft>
-              <a:buClr>
-                <a:srgbClr val="888888"/>
-              </a:buClr>
-              <a:buSzPts val="7722"/>
-              <a:buNone/>
-              <a:defRPr sz="7722">
-                <a:solidFill>
-                  <a:srgbClr val="888888"/>
-                </a:solidFill>
-              </a:defRPr>
-            </a:lvl1pPr>
-            <a:lvl2pPr marL="914400" lvl="1" indent="-228600" algn="l">
-              <a:spcBef>
-                <a:spcPts val="1382"/>
-              </a:spcBef>
-              <a:spcAft>
-                <a:spcPts val="0"/>
-              </a:spcAft>
-              <a:buClr>
-                <a:srgbClr val="888888"/>
-              </a:buClr>
-              <a:buSzPts val="6909"/>
-              <a:buNone/>
-              <a:defRPr sz="6908">
-                <a:solidFill>
-                  <a:srgbClr val="888888"/>
-                </a:solidFill>
-              </a:defRPr>
-            </a:lvl2pPr>
-            <a:lvl3pPr marL="1371600" lvl="2" indent="-228600" algn="l">
-              <a:spcBef>
-                <a:spcPts val="1240"/>
-              </a:spcBef>
-              <a:spcAft>
-                <a:spcPts val="0"/>
-              </a:spcAft>
-              <a:buClr>
-                <a:srgbClr val="888888"/>
-              </a:buClr>
-              <a:buSzPts val="6198"/>
-              <a:buNone/>
-              <a:defRPr sz="6198">
-                <a:solidFill>
-                  <a:srgbClr val="888888"/>
-                </a:solidFill>
-              </a:defRPr>
-            </a:lvl3pPr>
-            <a:lvl4pPr marL="1828800" lvl="3" indent="-228600" algn="l">
-              <a:spcBef>
-                <a:spcPts val="1097"/>
-              </a:spcBef>
-              <a:spcAft>
-                <a:spcPts val="0"/>
-              </a:spcAft>
-              <a:buClr>
-                <a:srgbClr val="888888"/>
-              </a:buClr>
-              <a:buSzPts val="5486"/>
-              <a:buNone/>
-              <a:defRPr sz="5486">
-                <a:solidFill>
-                  <a:srgbClr val="888888"/>
-                </a:solidFill>
-              </a:defRPr>
-            </a:lvl4pPr>
-            <a:lvl5pPr marL="2286000" lvl="4" indent="-228600" algn="l">
-              <a:spcBef>
-                <a:spcPts val="1097"/>
-              </a:spcBef>
-              <a:spcAft>
-                <a:spcPts val="0"/>
-              </a:spcAft>
-              <a:buClr>
-                <a:srgbClr val="888888"/>
-              </a:buClr>
-              <a:buSzPts val="5486"/>
-              <a:buNone/>
-              <a:defRPr sz="5486">
-                <a:solidFill>
-                  <a:srgbClr val="888888"/>
-                </a:solidFill>
-              </a:defRPr>
-            </a:lvl5pPr>
-            <a:lvl6pPr marL="2743200" lvl="5" indent="-228600" algn="l">
-              <a:spcBef>
-                <a:spcPts val="1097"/>
-              </a:spcBef>
-              <a:spcAft>
-                <a:spcPts val="0"/>
-              </a:spcAft>
-              <a:buClr>
-                <a:srgbClr val="888888"/>
-              </a:buClr>
-              <a:buSzPts val="5486"/>
-              <a:buNone/>
-              <a:defRPr sz="5486">
-                <a:solidFill>
-                  <a:srgbClr val="888888"/>
-                </a:solidFill>
-              </a:defRPr>
-            </a:lvl6pPr>
-            <a:lvl7pPr marL="3200400" lvl="6" indent="-228600" algn="l">
-              <a:spcBef>
-                <a:spcPts val="1097"/>
-              </a:spcBef>
-              <a:spcAft>
-                <a:spcPts val="0"/>
-              </a:spcAft>
-              <a:buClr>
-                <a:srgbClr val="888888"/>
-              </a:buClr>
-              <a:buSzPts val="5486"/>
-              <a:buNone/>
-              <a:defRPr sz="5486">
-                <a:solidFill>
-                  <a:srgbClr val="888888"/>
-                </a:solidFill>
-              </a:defRPr>
-            </a:lvl7pPr>
-            <a:lvl8pPr marL="3657600" lvl="7" indent="-228600" algn="l">
-              <a:spcBef>
-                <a:spcPts val="1097"/>
-              </a:spcBef>
-              <a:spcAft>
-                <a:spcPts val="0"/>
-              </a:spcAft>
-              <a:buClr>
-                <a:srgbClr val="888888"/>
-              </a:buClr>
-              <a:buSzPts val="5486"/>
-              <a:buNone/>
-              <a:defRPr sz="5486">
-                <a:solidFill>
-                  <a:srgbClr val="888888"/>
-                </a:solidFill>
-              </a:defRPr>
-            </a:lvl8pPr>
-            <a:lvl9pPr marL="4114800" lvl="8" indent="-228600" algn="l">
-              <a:spcBef>
-                <a:spcPts val="1097"/>
-              </a:spcBef>
-              <a:spcAft>
-                <a:spcPts val="0"/>
-              </a:spcAft>
-              <a:buClr>
-                <a:srgbClr val="888888"/>
-              </a:buClr>
-              <a:buSzPts val="5486"/>
-              <a:buNone/>
-              <a:defRPr sz="5486">
-                <a:solidFill>
-                  <a:srgbClr val="888888"/>
-                </a:solidFill>
-              </a:defRPr>
-            </a:lvl9pPr>
-          </a:lstStyle>
-          <a:p>
-            <a:endParaRPr/>
-          </a:p>
-        </p:txBody>
-      </p:sp>
-      <p:sp>
-        <p:nvSpPr>
-          <p:cNvPr id="34" name="Google Shape;34;p6"/>
-          <p:cNvSpPr txBox="1">
-            <a:spLocks noGrp="1"/>
-          </p:cNvSpPr>
-          <p:nvPr>
-            <p:ph type="dt" idx="10"/>
-          </p:nvPr>
-        </p:nvSpPr>
-        <p:spPr>
-          <a:xfrm>
-            <a:off x="1829043" y="30510162"/>
-            <a:ext cx="8533917" cy="1753557"/>
-          </a:xfrm>
-          <a:prstGeom prst="rect">
-            <a:avLst/>
-          </a:prstGeom>
-          <a:noFill/>
-          <a:ln>
-            <a:noFill/>
-          </a:ln>
-        </p:spPr>
-        <p:txBody>
-          <a:bodyPr spcFirstLastPara="1" wrap="square" lIns="349525" tIns="174750" rIns="349525" bIns="174750" anchor="ctr" anchorCtr="0">
-            <a:noAutofit/>
-          </a:bodyPr>
-          <a:lstStyle>
-            <a:lvl1pPr lvl="0" algn="l">
-              <a:spcBef>
-                <a:spcPts val="0"/>
-              </a:spcBef>
-              <a:spcAft>
-                <a:spcPts val="0"/>
-              </a:spcAft>
-              <a:buSzPts val="1400"/>
-              <a:buNone/>
-              <a:defRPr/>
-            </a:lvl1pPr>
-            <a:lvl2pPr lvl="1" algn="l">
-              <a:spcBef>
-                <a:spcPts val="0"/>
-              </a:spcBef>
-              <a:spcAft>
-                <a:spcPts val="0"/>
-              </a:spcAft>
-              <a:buSzPts val="1400"/>
-              <a:buNone/>
-              <a:defRPr/>
-            </a:lvl2pPr>
-            <a:lvl3pPr lvl="2" algn="l">
-              <a:spcBef>
-                <a:spcPts val="0"/>
-              </a:spcBef>
-              <a:spcAft>
-                <a:spcPts val="0"/>
-              </a:spcAft>
-              <a:buSzPts val="1400"/>
-              <a:buNone/>
-              <a:defRPr/>
-            </a:lvl3pPr>
-            <a:lvl4pPr lvl="3" algn="l">
-              <a:spcBef>
-                <a:spcPts val="0"/>
-              </a:spcBef>
-              <a:spcAft>
-                <a:spcPts val="0"/>
-              </a:spcAft>
-              <a:buSzPts val="1400"/>
-              <a:buNone/>
-              <a:defRPr/>
-            </a:lvl4pPr>
-            <a:lvl5pPr lvl="4" algn="l">
-              <a:spcBef>
-                <a:spcPts val="0"/>
-              </a:spcBef>
-              <a:spcAft>
-                <a:spcPts val="0"/>
-              </a:spcAft>
-              <a:buSzPts val="1400"/>
-              <a:buNone/>
-              <a:defRPr/>
-            </a:lvl5pPr>
-            <a:lvl6pPr lvl="5" algn="l">
-              <a:spcBef>
-                <a:spcPts val="0"/>
-              </a:spcBef>
-              <a:spcAft>
-                <a:spcPts val="0"/>
-              </a:spcAft>
-              <a:buSzPts val="1400"/>
-              <a:buNone/>
-              <a:defRPr/>
-            </a:lvl6pPr>
-            <a:lvl7pPr lvl="6" algn="l">
-              <a:spcBef>
-                <a:spcPts val="0"/>
-              </a:spcBef>
-              <a:spcAft>
-                <a:spcPts val="0"/>
-              </a:spcAft>
-              <a:buSzPts val="1400"/>
-              <a:buNone/>
-              <a:defRPr/>
-            </a:lvl7pPr>
-            <a:lvl8pPr lvl="7" algn="l">
-              <a:spcBef>
-                <a:spcPts val="0"/>
-              </a:spcBef>
-              <a:spcAft>
-                <a:spcPts val="0"/>
-              </a:spcAft>
-              <a:buSzPts val="1400"/>
-              <a:buNone/>
-              <a:defRPr/>
-            </a:lvl8pPr>
-            <a:lvl9pPr lvl="8" algn="l">
-              <a:spcBef>
-                <a:spcPts val="0"/>
-              </a:spcBef>
-              <a:spcAft>
-                <a:spcPts val="0"/>
-              </a:spcAft>
-              <a:buSzPts val="1400"/>
-              <a:buNone/>
-              <a:defRPr/>
-            </a:lvl9pPr>
-          </a:lstStyle>
-          <a:p>
-            <a:endParaRPr/>
-          </a:p>
-        </p:txBody>
-      </p:sp>
-      <p:sp>
-        <p:nvSpPr>
-          <p:cNvPr id="35" name="Google Shape;35;p6"/>
-          <p:cNvSpPr txBox="1">
-            <a:spLocks noGrp="1"/>
-          </p:cNvSpPr>
-          <p:nvPr>
-            <p:ph type="ftr" idx="11"/>
-          </p:nvPr>
-        </p:nvSpPr>
-        <p:spPr>
-          <a:xfrm>
-            <a:off x="12496840" y="30510162"/>
-            <a:ext cx="11582320" cy="1753557"/>
-          </a:xfrm>
-          <a:prstGeom prst="rect">
-            <a:avLst/>
-          </a:prstGeom>
-          <a:noFill/>
-          <a:ln>
-            <a:noFill/>
-          </a:ln>
-        </p:spPr>
-        <p:txBody>
-          <a:bodyPr spcFirstLastPara="1" wrap="square" lIns="349525" tIns="174750" rIns="349525" bIns="174750" anchor="ctr" anchorCtr="0">
-            <a:noAutofit/>
-          </a:bodyPr>
-          <a:lstStyle>
-            <a:lvl1pPr lvl="0" algn="ctr">
-              <a:spcBef>
-                <a:spcPts val="0"/>
-              </a:spcBef>
-              <a:spcAft>
-                <a:spcPts val="0"/>
-              </a:spcAft>
-              <a:buSzPts val="1400"/>
-              <a:buNone/>
-              <a:defRPr/>
-            </a:lvl1pPr>
-            <a:lvl2pPr lvl="1" algn="l">
-              <a:spcBef>
-                <a:spcPts val="0"/>
-              </a:spcBef>
-              <a:spcAft>
-                <a:spcPts val="0"/>
-              </a:spcAft>
-              <a:buSzPts val="1400"/>
-              <a:buNone/>
-              <a:defRPr/>
-            </a:lvl2pPr>
-            <a:lvl3pPr lvl="2" algn="l">
-              <a:spcBef>
-                <a:spcPts val="0"/>
-              </a:spcBef>
-              <a:spcAft>
-                <a:spcPts val="0"/>
-              </a:spcAft>
-              <a:buSzPts val="1400"/>
-              <a:buNone/>
-              <a:defRPr/>
-            </a:lvl3pPr>
-            <a:lvl4pPr lvl="3" algn="l">
-              <a:spcBef>
-                <a:spcPts val="0"/>
-              </a:spcBef>
-              <a:spcAft>
-                <a:spcPts val="0"/>
-              </a:spcAft>
-              <a:buSzPts val="1400"/>
-              <a:buNone/>
-              <a:defRPr/>
-            </a:lvl4pPr>
-            <a:lvl5pPr lvl="4" algn="l">
-              <a:spcBef>
-                <a:spcPts val="0"/>
-              </a:spcBef>
-              <a:spcAft>
-                <a:spcPts val="0"/>
-              </a:spcAft>
-              <a:buSzPts val="1400"/>
-              <a:buNone/>
-              <a:defRPr/>
-            </a:lvl5pPr>
-            <a:lvl6pPr lvl="5" algn="l">
-              <a:spcBef>
-                <a:spcPts val="0"/>
-              </a:spcBef>
-              <a:spcAft>
-                <a:spcPts val="0"/>
-              </a:spcAft>
-              <a:buSzPts val="1400"/>
-              <a:buNone/>
-              <a:defRPr/>
-            </a:lvl6pPr>
-            <a:lvl7pPr lvl="6" algn="l">
-              <a:spcBef>
-                <a:spcPts val="0"/>
-              </a:spcBef>
-              <a:spcAft>
-                <a:spcPts val="0"/>
-              </a:spcAft>
-              <a:buSzPts val="1400"/>
-              <a:buNone/>
-              <a:defRPr/>
-            </a:lvl7pPr>
-            <a:lvl8pPr lvl="7" algn="l">
-              <a:spcBef>
-                <a:spcPts val="0"/>
-              </a:spcBef>
-              <a:spcAft>
-                <a:spcPts val="0"/>
-              </a:spcAft>
-              <a:buSzPts val="1400"/>
-              <a:buNone/>
-              <a:defRPr/>
-            </a:lvl8pPr>
-            <a:lvl9pPr lvl="8" algn="l">
-              <a:spcBef>
-                <a:spcPts val="0"/>
-              </a:spcBef>
-              <a:spcAft>
-                <a:spcPts val="0"/>
-              </a:spcAft>
-              <a:buSzPts val="1400"/>
-              <a:buNone/>
-              <a:defRPr/>
-            </a:lvl9pPr>
-          </a:lstStyle>
-          <a:p>
-            <a:endParaRPr/>
-          </a:p>
-        </p:txBody>
-      </p:sp>
-      <p:sp>
-        <p:nvSpPr>
-          <p:cNvPr id="36" name="Google Shape;36;p6"/>
-          <p:cNvSpPr txBox="1">
-            <a:spLocks noGrp="1"/>
-          </p:cNvSpPr>
-          <p:nvPr>
-            <p:ph type="sldNum" idx="12"/>
-          </p:nvPr>
-        </p:nvSpPr>
-        <p:spPr>
-          <a:xfrm>
-            <a:off x="26213043" y="30510162"/>
-            <a:ext cx="8533917" cy="1753557"/>
-          </a:xfrm>
-          <a:prstGeom prst="rect">
-            <a:avLst/>
-          </a:prstGeom>
-          <a:noFill/>
-          <a:ln>
-            <a:noFill/>
-          </a:ln>
-        </p:spPr>
-        <p:txBody>
-          <a:bodyPr spcFirstLastPara="1" wrap="square" lIns="349525" tIns="174750" rIns="349525" bIns="174750" anchor="ctr" anchorCtr="0">
-            <a:noAutofit/>
-          </a:bodyPr>
-          <a:lstStyle>
-            <a:lvl1pPr marL="0" marR="0" lvl="0" indent="0" algn="r">
-              <a:spcBef>
-                <a:spcPts val="0"/>
-              </a:spcBef>
-              <a:spcAft>
-                <a:spcPts val="0"/>
-              </a:spcAft>
-              <a:buNone/>
-              <a:defRPr sz="4674" b="0" i="0" u="none" strike="noStrike" cap="none">
-                <a:solidFill>
-                  <a:srgbClr val="888888"/>
-                </a:solidFill>
-                <a:latin typeface="Calibri"/>
-                <a:ea typeface="Calibri"/>
-                <a:cs typeface="Calibri"/>
-                <a:sym typeface="Calibri"/>
-              </a:defRPr>
-            </a:lvl1pPr>
-            <a:lvl2pPr marL="0" marR="0" lvl="1" indent="0" algn="r">
-              <a:spcBef>
-                <a:spcPts val="0"/>
-              </a:spcBef>
-              <a:spcAft>
-                <a:spcPts val="0"/>
-              </a:spcAft>
-              <a:buNone/>
-              <a:defRPr sz="4674" b="0" i="0" u="none" strike="noStrike" cap="none">
-                <a:solidFill>
-                  <a:srgbClr val="888888"/>
-                </a:solidFill>
-                <a:latin typeface="Calibri"/>
-                <a:ea typeface="Calibri"/>
-                <a:cs typeface="Calibri"/>
-                <a:sym typeface="Calibri"/>
-              </a:defRPr>
-            </a:lvl2pPr>
-            <a:lvl3pPr marL="0" marR="0" lvl="2" indent="0" algn="r">
-              <a:spcBef>
-                <a:spcPts val="0"/>
-              </a:spcBef>
-              <a:spcAft>
-                <a:spcPts val="0"/>
-              </a:spcAft>
-              <a:buNone/>
-              <a:defRPr sz="4674" b="0" i="0" u="none" strike="noStrike" cap="none">
-                <a:solidFill>
-                  <a:srgbClr val="888888"/>
-                </a:solidFill>
-                <a:latin typeface="Calibri"/>
-                <a:ea typeface="Calibri"/>
-                <a:cs typeface="Calibri"/>
-                <a:sym typeface="Calibri"/>
-              </a:defRPr>
-            </a:lvl3pPr>
-            <a:lvl4pPr marL="0" marR="0" lvl="3" indent="0" algn="r">
-              <a:spcBef>
-                <a:spcPts val="0"/>
-              </a:spcBef>
-              <a:spcAft>
-                <a:spcPts val="0"/>
-              </a:spcAft>
-              <a:buNone/>
-              <a:defRPr sz="4674" b="0" i="0" u="none" strike="noStrike" cap="none">
-                <a:solidFill>
-                  <a:srgbClr val="888888"/>
-                </a:solidFill>
-                <a:latin typeface="Calibri"/>
-                <a:ea typeface="Calibri"/>
-                <a:cs typeface="Calibri"/>
-                <a:sym typeface="Calibri"/>
-              </a:defRPr>
-            </a:lvl4pPr>
-            <a:lvl5pPr marL="0" marR="0" lvl="4" indent="0" algn="r">
-              <a:spcBef>
-                <a:spcPts val="0"/>
-              </a:spcBef>
-              <a:spcAft>
-                <a:spcPts val="0"/>
-              </a:spcAft>
-              <a:buNone/>
-              <a:defRPr sz="4674" b="0" i="0" u="none" strike="noStrike" cap="none">
-                <a:solidFill>
-                  <a:srgbClr val="888888"/>
-                </a:solidFill>
-                <a:latin typeface="Calibri"/>
-                <a:ea typeface="Calibri"/>
-                <a:cs typeface="Calibri"/>
-                <a:sym typeface="Calibri"/>
-              </a:defRPr>
-            </a:lvl5pPr>
-            <a:lvl6pPr marL="0" marR="0" lvl="5" indent="0" algn="r">
-              <a:spcBef>
-                <a:spcPts val="0"/>
-              </a:spcBef>
-              <a:spcAft>
-                <a:spcPts val="0"/>
-              </a:spcAft>
-              <a:buNone/>
-              <a:defRPr sz="4674" b="0" i="0" u="none" strike="noStrike" cap="none">
-                <a:solidFill>
-                  <a:srgbClr val="888888"/>
-                </a:solidFill>
-                <a:latin typeface="Calibri"/>
-                <a:ea typeface="Calibri"/>
-                <a:cs typeface="Calibri"/>
-                <a:sym typeface="Calibri"/>
-              </a:defRPr>
-            </a:lvl6pPr>
-            <a:lvl7pPr marL="0" marR="0" lvl="6" indent="0" algn="r">
-              <a:spcBef>
-                <a:spcPts val="0"/>
-              </a:spcBef>
-              <a:spcAft>
-                <a:spcPts val="0"/>
-              </a:spcAft>
-              <a:buNone/>
-              <a:defRPr sz="4674" b="0" i="0" u="none" strike="noStrike" cap="none">
-                <a:solidFill>
-                  <a:srgbClr val="888888"/>
-                </a:solidFill>
-                <a:latin typeface="Calibri"/>
-                <a:ea typeface="Calibri"/>
-                <a:cs typeface="Calibri"/>
-                <a:sym typeface="Calibri"/>
-              </a:defRPr>
-            </a:lvl7pPr>
-            <a:lvl8pPr marL="0" marR="0" lvl="7" indent="0" algn="r">
-              <a:spcBef>
-                <a:spcPts val="0"/>
-              </a:spcBef>
-              <a:spcAft>
-                <a:spcPts val="0"/>
-              </a:spcAft>
-              <a:buNone/>
-              <a:defRPr sz="4674" b="0" i="0" u="none" strike="noStrike" cap="none">
-                <a:solidFill>
-                  <a:srgbClr val="888888"/>
-                </a:solidFill>
-                <a:latin typeface="Calibri"/>
-                <a:ea typeface="Calibri"/>
-                <a:cs typeface="Calibri"/>
-                <a:sym typeface="Calibri"/>
-              </a:defRPr>
-            </a:lvl8pPr>
-            <a:lvl9pPr marL="0" marR="0" lvl="8" indent="0" algn="r">
-              <a:spcBef>
-                <a:spcPts val="0"/>
-              </a:spcBef>
-              <a:spcAft>
-                <a:spcPts val="0"/>
-              </a:spcAft>
-              <a:buNone/>
-              <a:defRPr sz="4674" b="0" i="0" u="none" strike="noStrike" cap="none">
-                <a:solidFill>
-                  <a:srgbClr val="888888"/>
-                </a:solidFill>
-                <a:latin typeface="Calibri"/>
-                <a:ea typeface="Calibri"/>
-                <a:cs typeface="Calibri"/>
-                <a:sym typeface="Calibri"/>
-              </a:defRPr>
-            </a:lvl9pPr>
-          </a:lstStyle>
-          <a:p>
-            <a:pPr marL="0" lvl="0" indent="0" algn="r" rtl="0">
-              <a:spcBef>
-                <a:spcPts val="0"/>
-              </a:spcBef>
-              <a:spcAft>
-                <a:spcPts val="0"/>
-              </a:spcAft>
-              <a:buNone/>
-            </a:pPr>
-            <a:fld id="{00000000-1234-1234-1234-123412341234}" type="slidenum">
-              <a:rPr lang="en-US"/>
-              <a:t>‹#›</a:t>
-            </a:fld>
-            <a:endParaRPr/>
-          </a:p>
-        </p:txBody>
-      </p:sp>
-    </p:spTree>
-  </p:cSld>
-  <p:clrMapOvr>
-    <a:masterClrMapping/>
-  </p:clrMapOvr>
-</p:sldLayout>
-</file>
-
-<file path=ppt/slideLayouts/slideLayout3.xml><?xml version="1.0" encoding="utf-8"?>
 <p:sldLayout xmlns:a="http://schemas.openxmlformats.org/drawingml/2006/main" xmlns:r="http://schemas.openxmlformats.org/officeDocument/2006/relationships" xmlns:p="http://schemas.openxmlformats.org/presentationml/2006/main" matchingName="Two Content" type="twoObj">
   <p:cSld name="TWO_OBJECTS">
     <p:spTree>
@@ -4339,7 +3299,7 @@
 </p:sldLayout>
 </file>
 
-<file path=ppt/slideLayouts/slideLayout4.xml><?xml version="1.0" encoding="utf-8"?>
+<file path=ppt/slideLayouts/slideLayout3.xml><?xml version="1.0" encoding="utf-8"?>
 <p:sldLayout xmlns:a="http://schemas.openxmlformats.org/drawingml/2006/main" xmlns:r="http://schemas.openxmlformats.org/officeDocument/2006/relationships" xmlns:p="http://schemas.openxmlformats.org/presentationml/2006/main" matchingName="Comparison" type="twoTxTwoObj">
   <p:cSld name="TWO_OBJECTS_WITH_TEXT">
     <p:spTree>
@@ -5612,7 +4572,7 @@
 </p:sldLayout>
 </file>
 
-<file path=ppt/slideLayouts/slideLayout5.xml><?xml version="1.0" encoding="utf-8"?>
+<file path=ppt/slideLayouts/slideLayout4.xml><?xml version="1.0" encoding="utf-8"?>
 <p:sldLayout xmlns:a="http://schemas.openxmlformats.org/drawingml/2006/main" xmlns:r="http://schemas.openxmlformats.org/officeDocument/2006/relationships" xmlns:p="http://schemas.openxmlformats.org/presentationml/2006/main" matchingName="Title Only" type="titleOnly">
   <p:cSld name="TITLE_ONLY">
     <p:spTree>
@@ -6245,7 +5205,7 @@
 </p:sldLayout>
 </file>
 
-<file path=ppt/slideLayouts/slideLayout6.xml><?xml version="1.0" encoding="utf-8"?>
+<file path=ppt/slideLayouts/slideLayout5.xml><?xml version="1.0" encoding="utf-8"?>
 <p:sldLayout xmlns:a="http://schemas.openxmlformats.org/drawingml/2006/main" xmlns:r="http://schemas.openxmlformats.org/officeDocument/2006/relationships" xmlns:p="http://schemas.openxmlformats.org/presentationml/2006/main" matchingName="Content with Caption" type="objTx">
   <p:cSld name="OBJECT_WITH_CAPTION_TEXT">
     <p:spTree>
@@ -7198,7 +6158,7 @@
 </p:sldLayout>
 </file>
 
-<file path=ppt/slideLayouts/slideLayout7.xml><?xml version="1.0" encoding="utf-8"?>
+<file path=ppt/slideLayouts/slideLayout6.xml><?xml version="1.0" encoding="utf-8"?>
 <p:sldLayout xmlns:a="http://schemas.openxmlformats.org/drawingml/2006/main" xmlns:r="http://schemas.openxmlformats.org/officeDocument/2006/relationships" xmlns:p="http://schemas.openxmlformats.org/presentationml/2006/main" matchingName="Picture with Caption" type="picTx">
   <p:cSld name="PICTURE_WITH_CAPTION_TEXT">
     <p:spTree>
@@ -8015,7 +6975,7 @@
 </p:sldLayout>
 </file>
 
-<file path=ppt/slideLayouts/slideLayout8.xml><?xml version="1.0" encoding="utf-8"?>
+<file path=ppt/slideLayouts/slideLayout7.xml><?xml version="1.0" encoding="utf-8"?>
 <p:sldLayout xmlns:a="http://schemas.openxmlformats.org/drawingml/2006/main" xmlns:r="http://schemas.openxmlformats.org/officeDocument/2006/relationships" xmlns:p="http://schemas.openxmlformats.org/presentationml/2006/main" matchingName="Title and Vertical Text" type="vertTx">
   <p:cSld name="VERTICAL_TEXT">
     <p:spTree>
@@ -8808,7 +7768,7 @@
 </p:sldLayout>
 </file>
 
-<file path=ppt/slideLayouts/slideLayout9.xml><?xml version="1.0" encoding="utf-8"?>
+<file path=ppt/slideLayouts/slideLayout8.xml><?xml version="1.0" encoding="utf-8"?>
 <p:sldLayout xmlns:a="http://schemas.openxmlformats.org/drawingml/2006/main" xmlns:r="http://schemas.openxmlformats.org/officeDocument/2006/relationships" xmlns:p="http://schemas.openxmlformats.org/presentationml/2006/main" matchingName="Vertical Title and Text" type="vertTitleAndTx">
   <p:cSld name="VERTICAL_TITLE_AND_VERTICAL_TEXT">
     <p:spTree>
@@ -10696,14 +9656,13 @@
   <p:clrMap bg1="lt1" tx1="dk1" bg2="dk2" tx2="lt2" accent1="accent1" accent2="accent2" accent3="accent3" accent4="accent4" accent5="accent5" accent6="accent6" hlink="hlink" folHlink="folHlink"/>
   <p:sldLayoutIdLst>
     <p:sldLayoutId id="2147483649" r:id="rId1"/>
-    <p:sldLayoutId id="2147483652" r:id="rId2"/>
-    <p:sldLayoutId id="2147483653" r:id="rId3"/>
-    <p:sldLayoutId id="2147483654" r:id="rId4"/>
-    <p:sldLayoutId id="2147483655" r:id="rId5"/>
-    <p:sldLayoutId id="2147483656" r:id="rId6"/>
-    <p:sldLayoutId id="2147483657" r:id="rId7"/>
-    <p:sldLayoutId id="2147483658" r:id="rId8"/>
-    <p:sldLayoutId id="2147483659" r:id="rId9"/>
+    <p:sldLayoutId id="2147483653" r:id="rId2"/>
+    <p:sldLayoutId id="2147483654" r:id="rId3"/>
+    <p:sldLayoutId id="2147483655" r:id="rId4"/>
+    <p:sldLayoutId id="2147483656" r:id="rId5"/>
+    <p:sldLayoutId id="2147483657" r:id="rId6"/>
+    <p:sldLayoutId id="2147483658" r:id="rId7"/>
+    <p:sldLayoutId id="2147483659" r:id="rId8"/>
   </p:sldLayoutIdLst>
   <p:hf sldNum="0" hdr="0" ftr="0" dt="0"/>
   <p:txStyles>
@@ -11425,10 +10384,10 @@
       </p:grpSpPr>
       <p:pic>
         <p:nvPicPr>
-          <p:cNvPr id="5" name="Graphic 4">
+          <p:cNvPr id="6" name="Graphic 5">
             <a:extLst>
               <a:ext uri="{FF2B5EF4-FFF2-40B4-BE49-F238E27FC236}">
-                <a16:creationId xmlns:a16="http://schemas.microsoft.com/office/drawing/2014/main" id="{97350600-E11B-5471-D876-C70AB4919B62}"/>
+                <a16:creationId xmlns:a16="http://schemas.microsoft.com/office/drawing/2014/main" id="{17310886-4FC7-7472-5702-F4FF615EE8A1}"/>
               </a:ext>
             </a:extLst>
           </p:cNvPr>
@@ -11445,15 +10404,15 @@
               </a:ext>
             </a:extLst>
           </a:blip>
-          <a:srcRect l="2376" t="5604" r="1250" b="2595"/>
+          <a:srcRect l="2727" t="6911" r="1169" b="2765"/>
           <a:stretch>
             <a:fillRect/>
           </a:stretch>
         </p:blipFill>
         <p:spPr>
           <a:xfrm>
-            <a:off x="0" y="19492968"/>
-            <a:ext cx="36576000" cy="13425432"/>
+            <a:off x="2" y="19817863"/>
+            <a:ext cx="36575998" cy="13100538"/>
           </a:xfrm>
           <a:prstGeom prst="rect">
             <a:avLst/>
@@ -11471,72 +10430,6 @@
 <file path=ppt/slides/slide2.xml><?xml version="1.0" encoding="utf-8"?>
 <p:sld xmlns:a="http://schemas.openxmlformats.org/drawingml/2006/main" xmlns:r="http://schemas.openxmlformats.org/officeDocument/2006/relationships" xmlns:p="http://schemas.openxmlformats.org/presentationml/2006/main">
   <p:cSld>
-    <p:spTree>
-      <p:nvGrpSpPr>
-        <p:cNvPr id="1" name=""/>
-        <p:cNvGrpSpPr/>
-        <p:nvPr/>
-      </p:nvGrpSpPr>
-      <p:grpSpPr>
-        <a:xfrm>
-          <a:off x="0" y="0"/>
-          <a:ext cx="0" cy="0"/>
-          <a:chOff x="0" y="0"/>
-          <a:chExt cx="0" cy="0"/>
-        </a:xfrm>
-      </p:grpSpPr>
-      <p:pic>
-        <p:nvPicPr>
-          <p:cNvPr id="3" name="Graphic 2">
-            <a:extLst>
-              <a:ext uri="{FF2B5EF4-FFF2-40B4-BE49-F238E27FC236}">
-                <a16:creationId xmlns:a16="http://schemas.microsoft.com/office/drawing/2014/main" id="{D3839207-9BE2-AF43-AB03-FF11459F0C7F}"/>
-              </a:ext>
-            </a:extLst>
-          </p:cNvPr>
-          <p:cNvPicPr>
-            <a:picLocks noChangeAspect="1"/>
-          </p:cNvPicPr>
-          <p:nvPr/>
-        </p:nvPicPr>
-        <p:blipFill>
-          <a:blip r:embed="rId2">
-            <a:extLst>
-              <a:ext uri="{96DAC541-7B7A-43D3-8B79-37D633B846F1}">
-                <asvg:svgBlip xmlns:asvg="http://schemas.microsoft.com/office/drawing/2016/SVG/main" r:embed="rId3"/>
-              </a:ext>
-            </a:extLst>
-          </a:blip>
-          <a:stretch>
-            <a:fillRect/>
-          </a:stretch>
-        </p:blipFill>
-        <p:spPr>
-          <a:xfrm>
-            <a:off x="0" y="0"/>
-            <a:ext cx="36576000" cy="32918400"/>
-          </a:xfrm>
-          <a:prstGeom prst="rect">
-            <a:avLst/>
-          </a:prstGeom>
-        </p:spPr>
-      </p:pic>
-    </p:spTree>
-    <p:extLst>
-      <p:ext uri="{BB962C8B-B14F-4D97-AF65-F5344CB8AC3E}">
-        <p14:creationId xmlns:p14="http://schemas.microsoft.com/office/powerpoint/2010/main" val="3429998561"/>
-      </p:ext>
-    </p:extLst>
-  </p:cSld>
-  <p:clrMapOvr>
-    <a:masterClrMapping/>
-  </p:clrMapOvr>
-</p:sld>
-</file>
-
-<file path=ppt/slides/slide3.xml><?xml version="1.0" encoding="utf-8"?>
-<p:sld xmlns:a="http://schemas.openxmlformats.org/drawingml/2006/main" xmlns:r="http://schemas.openxmlformats.org/officeDocument/2006/relationships" xmlns:p="http://schemas.openxmlformats.org/presentationml/2006/main">
-  <p:cSld>
     <p:bg>
       <p:bgPr>
         <a:solidFill>
@@ -11550,7 +10443,7 @@
         <p:cNvPr id="1" name="Shape 88">
           <a:extLst>
             <a:ext uri="{FF2B5EF4-FFF2-40B4-BE49-F238E27FC236}">
-              <a16:creationId xmlns:a16="http://schemas.microsoft.com/office/drawing/2014/main" id="{5692E72E-F570-5052-8CF8-A82F148424EE}"/>
+              <a16:creationId xmlns:a16="http://schemas.microsoft.com/office/drawing/2014/main" id="{F0BC684F-B754-FA62-6DAA-F3E61A975327}"/>
             </a:ext>
           </a:extLst>
         </p:cNvPr>
@@ -11570,88 +10463,7 @@
           <p:cNvPr id="3" name="Graphic 2">
             <a:extLst>
               <a:ext uri="{FF2B5EF4-FFF2-40B4-BE49-F238E27FC236}">
-                <a16:creationId xmlns:a16="http://schemas.microsoft.com/office/drawing/2014/main" id="{B6242665-FD12-5593-0674-1B9F705D9C0B}"/>
-              </a:ext>
-            </a:extLst>
-          </p:cNvPr>
-          <p:cNvPicPr>
-            <a:picLocks noChangeAspect="1"/>
-          </p:cNvPicPr>
-          <p:nvPr/>
-        </p:nvPicPr>
-        <p:blipFill>
-          <a:blip r:embed="rId3">
-            <a:extLst>
-              <a:ext uri="{96DAC541-7B7A-43D3-8B79-37D633B846F1}">
-                <asvg:svgBlip xmlns:asvg="http://schemas.microsoft.com/office/drawing/2016/SVG/main" r:embed="rId4"/>
-              </a:ext>
-            </a:extLst>
-          </a:blip>
-          <a:srcRect l="2378" t="6531" r="1037" b="2397"/>
-          <a:stretch>
-            <a:fillRect/>
-          </a:stretch>
-        </p:blipFill>
-        <p:spPr>
-          <a:xfrm>
-            <a:off x="0" y="19756582"/>
-            <a:ext cx="36576000" cy="13161818"/>
-          </a:xfrm>
-          <a:prstGeom prst="rect">
-            <a:avLst/>
-          </a:prstGeom>
-        </p:spPr>
-      </p:pic>
-    </p:spTree>
-    <p:extLst>
-      <p:ext uri="{BB962C8B-B14F-4D97-AF65-F5344CB8AC3E}">
-        <p14:creationId xmlns:p14="http://schemas.microsoft.com/office/powerpoint/2010/main" val="715774129"/>
-      </p:ext>
-    </p:extLst>
-  </p:cSld>
-  <p:clrMapOvr>
-    <a:masterClrMapping/>
-  </p:clrMapOvr>
-</p:sld>
-</file>
-
-<file path=ppt/slides/slide4.xml><?xml version="1.0" encoding="utf-8"?>
-<p:sld xmlns:a="http://schemas.openxmlformats.org/drawingml/2006/main" xmlns:r="http://schemas.openxmlformats.org/officeDocument/2006/relationships" xmlns:p="http://schemas.openxmlformats.org/presentationml/2006/main">
-  <p:cSld>
-    <p:bg>
-      <p:bgPr>
-        <a:solidFill>
-          <a:schemeClr val="lt1"/>
-        </a:solidFill>
-        <a:effectLst/>
-      </p:bgPr>
-    </p:bg>
-    <p:spTree>
-      <p:nvGrpSpPr>
-        <p:cNvPr id="1" name="Shape 88">
-          <a:extLst>
-            <a:ext uri="{FF2B5EF4-FFF2-40B4-BE49-F238E27FC236}">
-              <a16:creationId xmlns:a16="http://schemas.microsoft.com/office/drawing/2014/main" id="{981ED75B-7CF5-D68B-BA78-6749C1536DBA}"/>
-            </a:ext>
-          </a:extLst>
-        </p:cNvPr>
-        <p:cNvGrpSpPr/>
-        <p:nvPr/>
-      </p:nvGrpSpPr>
-      <p:grpSpPr>
-        <a:xfrm>
-          <a:off x="0" y="0"/>
-          <a:ext cx="0" cy="0"/>
-          <a:chOff x="0" y="0"/>
-          <a:chExt cx="0" cy="0"/>
-        </a:xfrm>
-      </p:grpSpPr>
-      <p:pic>
-        <p:nvPicPr>
-          <p:cNvPr id="4" name="Graphic 3">
-            <a:extLst>
-              <a:ext uri="{FF2B5EF4-FFF2-40B4-BE49-F238E27FC236}">
-                <a16:creationId xmlns:a16="http://schemas.microsoft.com/office/drawing/2014/main" id="{4D814F69-03D3-4596-C17A-FA0A7D1734B9}"/>
+                <a16:creationId xmlns:a16="http://schemas.microsoft.com/office/drawing/2014/main" id="{F8DB070A-F5D5-AD02-5DA1-0CCC4B403B6F}"/>
               </a:ext>
             </a:extLst>
           </p:cNvPr>
@@ -11685,7 +10497,7 @@
     </p:spTree>
     <p:extLst>
       <p:ext uri="{BB962C8B-B14F-4D97-AF65-F5344CB8AC3E}">
-        <p14:creationId xmlns:p14="http://schemas.microsoft.com/office/powerpoint/2010/main" val="1067825993"/>
+        <p14:creationId xmlns:p14="http://schemas.microsoft.com/office/powerpoint/2010/main" val="2074766901"/>
       </p:ext>
     </p:extLst>
   </p:cSld>

--- a/figures/fig5/fig5.pptx
+++ b/figures/fig5/fig5.pptx
@@ -5,11 +5,13 @@
     <p:sldMasterId id="2147483648" r:id="rId1"/>
   </p:sldMasterIdLst>
   <p:notesMasterIdLst>
-    <p:notesMasterId r:id="rId4"/>
+    <p:notesMasterId r:id="rId6"/>
   </p:notesMasterIdLst>
   <p:sldIdLst>
     <p:sldId id="256" r:id="rId2"/>
     <p:sldId id="257" r:id="rId3"/>
+    <p:sldId id="258" r:id="rId4"/>
+    <p:sldId id="259" r:id="rId5"/>
   </p:sldIdLst>
   <p:sldSz cx="36576000" cy="32918400"/>
   <p:notesSz cx="7010400" cy="9296400"/>
@@ -258,7 +260,7 @@
       </p15:sldGuideLst>
     </p:ext>
     <p:ext uri="http://customooxmlschemas.google.com/">
-      <go:slidesCustomData xmlns="" xmlns:mc="http://schemas.openxmlformats.org/markup-compatibility/2006" xmlns:mv="urn:schemas-microsoft-com:mac:vml" xmlns:c="http://schemas.openxmlformats.org/drawingml/2006/chart" xmlns:dgm="http://schemas.openxmlformats.org/drawingml/2006/diagram" xmlns:o="urn:schemas-microsoft-com:office:office" xmlns:v="urn:schemas-microsoft-com:vml" xmlns:pvml="urn:schemas-microsoft-com:office:powerpoint" xmlns:com="http://schemas.openxmlformats.org/drawingml/2006/compatibility" xmlns:p14="http://schemas.microsoft.com/office/powerpoint/2010/main" xmlns:p15="http://schemas.microsoft.com/office/powerpoint/2012/main" xmlns:ahyp="http://schemas.microsoft.com/office/drawing/2018/hyperlinkcolor" xmlns:go="http://customooxmlschemas.google.com/" r:id="rId10" roundtripDataSignature="AMtx7mhiytGPk8UOxiAGs9KaAxakDbg4SQ=="/>
+      <go:slidesCustomData xmlns:go="http://customooxmlschemas.google.com/" xmlns:ahyp="http://schemas.microsoft.com/office/drawing/2018/hyperlinkcolor" xmlns:p15="http://schemas.microsoft.com/office/powerpoint/2012/main" xmlns:p14="http://schemas.microsoft.com/office/powerpoint/2010/main" xmlns:com="http://schemas.openxmlformats.org/drawingml/2006/compatibility" xmlns:pvml="urn:schemas-microsoft-com:office:powerpoint" xmlns:v="urn:schemas-microsoft-com:vml" xmlns:o="urn:schemas-microsoft-com:office:office" xmlns:dgm="http://schemas.openxmlformats.org/drawingml/2006/diagram" xmlns:c="http://schemas.openxmlformats.org/drawingml/2006/chart" xmlns:mv="urn:schemas-microsoft-com:mac:vml" xmlns:mc="http://schemas.openxmlformats.org/markup-compatibility/2006" xmlns="" r:id="rId10" roundtripDataSignature="AMtx7mhiytGPk8UOxiAGs9KaAxakDbg4SQ=="/>
     </p:ext>
   </p:extLst>
 </p:presentation>
@@ -1837,6 +1839,424 @@
     <p:extLst>
       <p:ext uri="{BB962C8B-B14F-4D97-AF65-F5344CB8AC3E}">
         <p14:creationId xmlns:p14="http://schemas.microsoft.com/office/powerpoint/2010/main" val="2417805071"/>
+      </p:ext>
+    </p:extLst>
+  </p:cSld>
+  <p:clrMapOvr>
+    <a:masterClrMapping/>
+  </p:clrMapOvr>
+</p:notes>
+</file>
+
+<file path=ppt/notesSlides/notesSlide3.xml><?xml version="1.0" encoding="utf-8"?>
+<p:notes xmlns:a="http://schemas.openxmlformats.org/drawingml/2006/main" xmlns:r="http://schemas.openxmlformats.org/officeDocument/2006/relationships" xmlns:p="http://schemas.openxmlformats.org/presentationml/2006/main" showMasterSp="0" showMasterPhAnim="0">
+  <p:cSld>
+    <p:spTree>
+      <p:nvGrpSpPr>
+        <p:cNvPr id="1" name="Shape 84">
+          <a:extLst>
+            <a:ext uri="{FF2B5EF4-FFF2-40B4-BE49-F238E27FC236}">
+              <a16:creationId xmlns:a16="http://schemas.microsoft.com/office/drawing/2014/main" id="{77FED2ED-BE68-0558-1BA1-3A31B194C30A}"/>
+            </a:ext>
+          </a:extLst>
+        </p:cNvPr>
+        <p:cNvGrpSpPr/>
+        <p:nvPr/>
+      </p:nvGrpSpPr>
+      <p:grpSpPr>
+        <a:xfrm>
+          <a:off x="0" y="0"/>
+          <a:ext cx="0" cy="0"/>
+          <a:chOff x="0" y="0"/>
+          <a:chExt cx="0" cy="0"/>
+        </a:xfrm>
+      </p:grpSpPr>
+      <p:sp>
+        <p:nvSpPr>
+          <p:cNvPr id="85" name="Google Shape;85;p1:notes">
+            <a:extLst>
+              <a:ext uri="{FF2B5EF4-FFF2-40B4-BE49-F238E27FC236}">
+                <a16:creationId xmlns:a16="http://schemas.microsoft.com/office/drawing/2014/main" id="{13541BB7-5E3B-723C-0C0B-E5E8C1156EBA}"/>
+              </a:ext>
+            </a:extLst>
+          </p:cNvPr>
+          <p:cNvSpPr>
+            <a:spLocks noGrp="1" noRot="1" noChangeAspect="1"/>
+          </p:cNvSpPr>
+          <p:nvPr>
+            <p:ph type="sldImg" idx="2"/>
+          </p:nvPr>
+        </p:nvSpPr>
+        <p:spPr>
+          <a:xfrm>
+            <a:off x="1568450" y="696913"/>
+            <a:ext cx="3873500" cy="3486150"/>
+          </a:xfrm>
+          <a:custGeom>
+            <a:avLst/>
+            <a:gdLst/>
+            <a:ahLst/>
+            <a:cxnLst/>
+            <a:rect l="l" t="t" r="r" b="b"/>
+            <a:pathLst>
+              <a:path w="120000" h="120000" extrusionOk="0">
+                <a:moveTo>
+                  <a:pt x="0" y="0"/>
+                </a:moveTo>
+                <a:lnTo>
+                  <a:pt x="120000" y="0"/>
+                </a:lnTo>
+                <a:lnTo>
+                  <a:pt x="120000" y="120000"/>
+                </a:lnTo>
+                <a:lnTo>
+                  <a:pt x="0" y="120000"/>
+                </a:lnTo>
+                <a:close/>
+              </a:path>
+            </a:pathLst>
+          </a:custGeom>
+          <a:noFill/>
+          <a:ln w="9525" cap="flat" cmpd="sng">
+            <a:solidFill>
+              <a:srgbClr val="000000"/>
+            </a:solidFill>
+            <a:prstDash val="solid"/>
+            <a:miter lim="800000"/>
+            <a:headEnd type="none" w="sm" len="sm"/>
+            <a:tailEnd type="none" w="sm" len="sm"/>
+          </a:ln>
+        </p:spPr>
+      </p:sp>
+      <p:sp>
+        <p:nvSpPr>
+          <p:cNvPr id="86" name="Google Shape;86;p1:notes">
+            <a:extLst>
+              <a:ext uri="{FF2B5EF4-FFF2-40B4-BE49-F238E27FC236}">
+                <a16:creationId xmlns:a16="http://schemas.microsoft.com/office/drawing/2014/main" id="{0B536FB8-C9F2-802C-0971-A20A4CB79511}"/>
+              </a:ext>
+            </a:extLst>
+          </p:cNvPr>
+          <p:cNvSpPr txBox="1">
+            <a:spLocks noGrp="1"/>
+          </p:cNvSpPr>
+          <p:nvPr>
+            <p:ph type="body" idx="1"/>
+          </p:nvPr>
+        </p:nvSpPr>
+        <p:spPr>
+          <a:xfrm>
+            <a:off x="701675" y="4416425"/>
+            <a:ext cx="5607050" cy="4183063"/>
+          </a:xfrm>
+          <a:prstGeom prst="rect">
+            <a:avLst/>
+          </a:prstGeom>
+          <a:noFill/>
+          <a:ln>
+            <a:noFill/>
+          </a:ln>
+        </p:spPr>
+        <p:txBody>
+          <a:bodyPr spcFirstLastPara="1" wrap="square" lIns="93150" tIns="46575" rIns="93150" bIns="46575" anchor="t" anchorCtr="0">
+            <a:noAutofit/>
+          </a:bodyPr>
+          <a:lstStyle/>
+          <a:p>
+            <a:pPr marL="0" lvl="0" indent="0" algn="l" rtl="0">
+              <a:spcBef>
+                <a:spcPts val="0"/>
+              </a:spcBef>
+              <a:spcAft>
+                <a:spcPts val="0"/>
+              </a:spcAft>
+              <a:buNone/>
+            </a:pPr>
+            <a:endParaRPr dirty="0"/>
+          </a:p>
+        </p:txBody>
+      </p:sp>
+      <p:sp>
+        <p:nvSpPr>
+          <p:cNvPr id="87" name="Google Shape;87;p1:notes">
+            <a:extLst>
+              <a:ext uri="{FF2B5EF4-FFF2-40B4-BE49-F238E27FC236}">
+                <a16:creationId xmlns:a16="http://schemas.microsoft.com/office/drawing/2014/main" id="{5D3A8C56-79DB-10DB-6357-BE48743524CC}"/>
+              </a:ext>
+            </a:extLst>
+          </p:cNvPr>
+          <p:cNvSpPr txBox="1">
+            <a:spLocks noGrp="1"/>
+          </p:cNvSpPr>
+          <p:nvPr>
+            <p:ph type="sldNum" idx="12"/>
+          </p:nvPr>
+        </p:nvSpPr>
+        <p:spPr>
+          <a:xfrm>
+            <a:off x="3970338" y="8829675"/>
+            <a:ext cx="3038475" cy="465138"/>
+          </a:xfrm>
+          <a:prstGeom prst="rect">
+            <a:avLst/>
+          </a:prstGeom>
+          <a:noFill/>
+          <a:ln>
+            <a:noFill/>
+          </a:ln>
+        </p:spPr>
+        <p:txBody>
+          <a:bodyPr spcFirstLastPara="1" wrap="square" lIns="93150" tIns="46575" rIns="93150" bIns="46575" anchor="b" anchorCtr="0">
+            <a:noAutofit/>
+          </a:bodyPr>
+          <a:lstStyle/>
+          <a:p>
+            <a:pPr marL="0" marR="0" lvl="0" indent="0" algn="r" rtl="0">
+              <a:spcBef>
+                <a:spcPts val="0"/>
+              </a:spcBef>
+              <a:spcAft>
+                <a:spcPts val="0"/>
+              </a:spcAft>
+              <a:buNone/>
+            </a:pPr>
+            <a:fld id="{00000000-1234-1234-1234-123412341234}" type="slidenum">
+              <a:rPr lang="en-US" sz="1200" b="0" i="0" u="none" strike="noStrike" cap="none">
+                <a:solidFill>
+                  <a:schemeClr val="dk1"/>
+                </a:solidFill>
+                <a:latin typeface="Calibri"/>
+                <a:ea typeface="Calibri"/>
+                <a:cs typeface="Calibri"/>
+                <a:sym typeface="Calibri"/>
+              </a:rPr>
+              <a:t>3</a:t>
+            </a:fld>
+            <a:endParaRPr sz="1200" b="0" i="0" u="none" strike="noStrike" cap="none">
+              <a:solidFill>
+                <a:schemeClr val="dk1"/>
+              </a:solidFill>
+              <a:latin typeface="Calibri"/>
+              <a:ea typeface="Calibri"/>
+              <a:cs typeface="Calibri"/>
+              <a:sym typeface="Calibri"/>
+            </a:endParaRPr>
+          </a:p>
+        </p:txBody>
+      </p:sp>
+    </p:spTree>
+    <p:extLst>
+      <p:ext uri="{BB962C8B-B14F-4D97-AF65-F5344CB8AC3E}">
+        <p14:creationId xmlns:p14="http://schemas.microsoft.com/office/powerpoint/2010/main" val="479466449"/>
+      </p:ext>
+    </p:extLst>
+  </p:cSld>
+  <p:clrMapOvr>
+    <a:masterClrMapping/>
+  </p:clrMapOvr>
+</p:notes>
+</file>
+
+<file path=ppt/notesSlides/notesSlide4.xml><?xml version="1.0" encoding="utf-8"?>
+<p:notes xmlns:a="http://schemas.openxmlformats.org/drawingml/2006/main" xmlns:r="http://schemas.openxmlformats.org/officeDocument/2006/relationships" xmlns:p="http://schemas.openxmlformats.org/presentationml/2006/main" showMasterSp="0" showMasterPhAnim="0">
+  <p:cSld>
+    <p:spTree>
+      <p:nvGrpSpPr>
+        <p:cNvPr id="1" name="Shape 84">
+          <a:extLst>
+            <a:ext uri="{FF2B5EF4-FFF2-40B4-BE49-F238E27FC236}">
+              <a16:creationId xmlns:a16="http://schemas.microsoft.com/office/drawing/2014/main" id="{161CDB38-27BE-EABF-69A0-B5409FE1D879}"/>
+            </a:ext>
+          </a:extLst>
+        </p:cNvPr>
+        <p:cNvGrpSpPr/>
+        <p:nvPr/>
+      </p:nvGrpSpPr>
+      <p:grpSpPr>
+        <a:xfrm>
+          <a:off x="0" y="0"/>
+          <a:ext cx="0" cy="0"/>
+          <a:chOff x="0" y="0"/>
+          <a:chExt cx="0" cy="0"/>
+        </a:xfrm>
+      </p:grpSpPr>
+      <p:sp>
+        <p:nvSpPr>
+          <p:cNvPr id="85" name="Google Shape;85;p1:notes">
+            <a:extLst>
+              <a:ext uri="{FF2B5EF4-FFF2-40B4-BE49-F238E27FC236}">
+                <a16:creationId xmlns:a16="http://schemas.microsoft.com/office/drawing/2014/main" id="{B397397A-2C79-191E-39AC-65AB5500B2B3}"/>
+              </a:ext>
+            </a:extLst>
+          </p:cNvPr>
+          <p:cNvSpPr>
+            <a:spLocks noGrp="1" noRot="1" noChangeAspect="1"/>
+          </p:cNvSpPr>
+          <p:nvPr>
+            <p:ph type="sldImg" idx="2"/>
+          </p:nvPr>
+        </p:nvSpPr>
+        <p:spPr>
+          <a:xfrm>
+            <a:off x="1568450" y="696913"/>
+            <a:ext cx="3873500" cy="3486150"/>
+          </a:xfrm>
+          <a:custGeom>
+            <a:avLst/>
+            <a:gdLst/>
+            <a:ahLst/>
+            <a:cxnLst/>
+            <a:rect l="l" t="t" r="r" b="b"/>
+            <a:pathLst>
+              <a:path w="120000" h="120000" extrusionOk="0">
+                <a:moveTo>
+                  <a:pt x="0" y="0"/>
+                </a:moveTo>
+                <a:lnTo>
+                  <a:pt x="120000" y="0"/>
+                </a:lnTo>
+                <a:lnTo>
+                  <a:pt x="120000" y="120000"/>
+                </a:lnTo>
+                <a:lnTo>
+                  <a:pt x="0" y="120000"/>
+                </a:lnTo>
+                <a:close/>
+              </a:path>
+            </a:pathLst>
+          </a:custGeom>
+          <a:noFill/>
+          <a:ln w="9525" cap="flat" cmpd="sng">
+            <a:solidFill>
+              <a:srgbClr val="000000"/>
+            </a:solidFill>
+            <a:prstDash val="solid"/>
+            <a:miter lim="800000"/>
+            <a:headEnd type="none" w="sm" len="sm"/>
+            <a:tailEnd type="none" w="sm" len="sm"/>
+          </a:ln>
+        </p:spPr>
+      </p:sp>
+      <p:sp>
+        <p:nvSpPr>
+          <p:cNvPr id="86" name="Google Shape;86;p1:notes">
+            <a:extLst>
+              <a:ext uri="{FF2B5EF4-FFF2-40B4-BE49-F238E27FC236}">
+                <a16:creationId xmlns:a16="http://schemas.microsoft.com/office/drawing/2014/main" id="{94B87B3B-84DD-F5A5-605A-E06CBCCC6B69}"/>
+              </a:ext>
+            </a:extLst>
+          </p:cNvPr>
+          <p:cNvSpPr txBox="1">
+            <a:spLocks noGrp="1"/>
+          </p:cNvSpPr>
+          <p:nvPr>
+            <p:ph type="body" idx="1"/>
+          </p:nvPr>
+        </p:nvSpPr>
+        <p:spPr>
+          <a:xfrm>
+            <a:off x="701675" y="4416425"/>
+            <a:ext cx="5607050" cy="4183063"/>
+          </a:xfrm>
+          <a:prstGeom prst="rect">
+            <a:avLst/>
+          </a:prstGeom>
+          <a:noFill/>
+          <a:ln>
+            <a:noFill/>
+          </a:ln>
+        </p:spPr>
+        <p:txBody>
+          <a:bodyPr spcFirstLastPara="1" wrap="square" lIns="93150" tIns="46575" rIns="93150" bIns="46575" anchor="t" anchorCtr="0">
+            <a:noAutofit/>
+          </a:bodyPr>
+          <a:lstStyle/>
+          <a:p>
+            <a:pPr marL="0" lvl="0" indent="0" algn="l" rtl="0">
+              <a:spcBef>
+                <a:spcPts val="0"/>
+              </a:spcBef>
+              <a:spcAft>
+                <a:spcPts val="0"/>
+              </a:spcAft>
+              <a:buNone/>
+            </a:pPr>
+            <a:endParaRPr dirty="0"/>
+          </a:p>
+        </p:txBody>
+      </p:sp>
+      <p:sp>
+        <p:nvSpPr>
+          <p:cNvPr id="87" name="Google Shape;87;p1:notes">
+            <a:extLst>
+              <a:ext uri="{FF2B5EF4-FFF2-40B4-BE49-F238E27FC236}">
+                <a16:creationId xmlns:a16="http://schemas.microsoft.com/office/drawing/2014/main" id="{40F724A6-6DE6-0941-D1B5-CE272A450734}"/>
+              </a:ext>
+            </a:extLst>
+          </p:cNvPr>
+          <p:cNvSpPr txBox="1">
+            <a:spLocks noGrp="1"/>
+          </p:cNvSpPr>
+          <p:nvPr>
+            <p:ph type="sldNum" idx="12"/>
+          </p:nvPr>
+        </p:nvSpPr>
+        <p:spPr>
+          <a:xfrm>
+            <a:off x="3970338" y="8829675"/>
+            <a:ext cx="3038475" cy="465138"/>
+          </a:xfrm>
+          <a:prstGeom prst="rect">
+            <a:avLst/>
+          </a:prstGeom>
+          <a:noFill/>
+          <a:ln>
+            <a:noFill/>
+          </a:ln>
+        </p:spPr>
+        <p:txBody>
+          <a:bodyPr spcFirstLastPara="1" wrap="square" lIns="93150" tIns="46575" rIns="93150" bIns="46575" anchor="b" anchorCtr="0">
+            <a:noAutofit/>
+          </a:bodyPr>
+          <a:lstStyle/>
+          <a:p>
+            <a:pPr marL="0" marR="0" lvl="0" indent="0" algn="r" rtl="0">
+              <a:spcBef>
+                <a:spcPts val="0"/>
+              </a:spcBef>
+              <a:spcAft>
+                <a:spcPts val="0"/>
+              </a:spcAft>
+              <a:buNone/>
+            </a:pPr>
+            <a:fld id="{00000000-1234-1234-1234-123412341234}" type="slidenum">
+              <a:rPr lang="en-US" sz="1200" b="0" i="0" u="none" strike="noStrike" cap="none">
+                <a:solidFill>
+                  <a:schemeClr val="dk1"/>
+                </a:solidFill>
+                <a:latin typeface="Calibri"/>
+                <a:ea typeface="Calibri"/>
+                <a:cs typeface="Calibri"/>
+                <a:sym typeface="Calibri"/>
+              </a:rPr>
+              <a:t>4</a:t>
+            </a:fld>
+            <a:endParaRPr sz="1200" b="0" i="0" u="none" strike="noStrike" cap="none">
+              <a:solidFill>
+                <a:schemeClr val="dk1"/>
+              </a:solidFill>
+              <a:latin typeface="Calibri"/>
+              <a:ea typeface="Calibri"/>
+              <a:cs typeface="Calibri"/>
+              <a:sym typeface="Calibri"/>
+            </a:endParaRPr>
+          </a:p>
+        </p:txBody>
+      </p:sp>
+    </p:spTree>
+    <p:extLst>
+      <p:ext uri="{BB962C8B-B14F-4D97-AF65-F5344CB8AC3E}">
+        <p14:creationId xmlns:p14="http://schemas.microsoft.com/office/powerpoint/2010/main" val="1425333128"/>
       </p:ext>
     </p:extLst>
   </p:cSld>
@@ -10507,6 +10927,167 @@
 </p:sld>
 </file>
 
+<file path=ppt/slides/slide3.xml><?xml version="1.0" encoding="utf-8"?>
+<p:sld xmlns:a="http://schemas.openxmlformats.org/drawingml/2006/main" xmlns:r="http://schemas.openxmlformats.org/officeDocument/2006/relationships" xmlns:p="http://schemas.openxmlformats.org/presentationml/2006/main">
+  <p:cSld>
+    <p:bg>
+      <p:bgPr>
+        <a:solidFill>
+          <a:schemeClr val="lt1"/>
+        </a:solidFill>
+        <a:effectLst/>
+      </p:bgPr>
+    </p:bg>
+    <p:spTree>
+      <p:nvGrpSpPr>
+        <p:cNvPr id="1" name="Shape 88">
+          <a:extLst>
+            <a:ext uri="{FF2B5EF4-FFF2-40B4-BE49-F238E27FC236}">
+              <a16:creationId xmlns:a16="http://schemas.microsoft.com/office/drawing/2014/main" id="{F9B6D7A5-9952-FA9E-9B8B-07CF5E1FFAC3}"/>
+            </a:ext>
+          </a:extLst>
+        </p:cNvPr>
+        <p:cNvGrpSpPr/>
+        <p:nvPr/>
+      </p:nvGrpSpPr>
+      <p:grpSpPr>
+        <a:xfrm>
+          <a:off x="0" y="0"/>
+          <a:ext cx="0" cy="0"/>
+          <a:chOff x="0" y="0"/>
+          <a:chExt cx="0" cy="0"/>
+        </a:xfrm>
+      </p:grpSpPr>
+      <p:pic>
+        <p:nvPicPr>
+          <p:cNvPr id="8" name="Graphic 7">
+            <a:extLst>
+              <a:ext uri="{FF2B5EF4-FFF2-40B4-BE49-F238E27FC236}">
+                <a16:creationId xmlns:a16="http://schemas.microsoft.com/office/drawing/2014/main" id="{548072BA-5DF3-360A-6ED3-E41971F36A0E}"/>
+              </a:ext>
+            </a:extLst>
+          </p:cNvPr>
+          <p:cNvPicPr>
+            <a:picLocks noChangeAspect="1"/>
+          </p:cNvPicPr>
+          <p:nvPr/>
+        </p:nvPicPr>
+        <p:blipFill>
+          <a:blip r:embed="rId3">
+            <a:extLst>
+              <a:ext uri="{96DAC541-7B7A-43D3-8B79-37D633B846F1}">
+                <asvg:svgBlip xmlns:asvg="http://schemas.microsoft.com/office/drawing/2016/SVG/main" r:embed="rId4"/>
+              </a:ext>
+            </a:extLst>
+          </a:blip>
+          <a:srcRect l="2201" t="4343" b="5087"/>
+          <a:stretch>
+            <a:fillRect/>
+          </a:stretch>
+        </p:blipFill>
+        <p:spPr>
+          <a:xfrm>
+            <a:off x="0" y="11191170"/>
+            <a:ext cx="36576000" cy="21727230"/>
+          </a:xfrm>
+          <a:prstGeom prst="rect">
+            <a:avLst/>
+          </a:prstGeom>
+        </p:spPr>
+      </p:pic>
+    </p:spTree>
+    <p:extLst>
+      <p:ext uri="{BB962C8B-B14F-4D97-AF65-F5344CB8AC3E}">
+        <p14:creationId xmlns:p14="http://schemas.microsoft.com/office/powerpoint/2010/main" val="1383361948"/>
+      </p:ext>
+    </p:extLst>
+  </p:cSld>
+  <p:clrMapOvr>
+    <a:masterClrMapping/>
+  </p:clrMapOvr>
+</p:sld>
+</file>
+
+<file path=ppt/slides/slide4.xml><?xml version="1.0" encoding="utf-8"?>
+<p:sld xmlns:a="http://schemas.openxmlformats.org/drawingml/2006/main" xmlns:r="http://schemas.openxmlformats.org/officeDocument/2006/relationships" xmlns:p="http://schemas.openxmlformats.org/presentationml/2006/main">
+  <p:cSld>
+    <p:bg>
+      <p:bgPr>
+        <a:solidFill>
+          <a:schemeClr val="lt1"/>
+        </a:solidFill>
+        <a:effectLst/>
+      </p:bgPr>
+    </p:bg>
+    <p:spTree>
+      <p:nvGrpSpPr>
+        <p:cNvPr id="1" name="Shape 88">
+          <a:extLst>
+            <a:ext uri="{FF2B5EF4-FFF2-40B4-BE49-F238E27FC236}">
+              <a16:creationId xmlns:a16="http://schemas.microsoft.com/office/drawing/2014/main" id="{825B5B23-B1ED-1038-E032-395035DFD1BD}"/>
+            </a:ext>
+          </a:extLst>
+        </p:cNvPr>
+        <p:cNvGrpSpPr/>
+        <p:nvPr/>
+      </p:nvGrpSpPr>
+      <p:grpSpPr>
+        <a:xfrm>
+          <a:off x="0" y="0"/>
+          <a:ext cx="0" cy="0"/>
+          <a:chOff x="0" y="0"/>
+          <a:chExt cx="0" cy="0"/>
+        </a:xfrm>
+      </p:grpSpPr>
+      <p:pic>
+        <p:nvPicPr>
+          <p:cNvPr id="3" name="Graphic 2">
+            <a:extLst>
+              <a:ext uri="{FF2B5EF4-FFF2-40B4-BE49-F238E27FC236}">
+                <a16:creationId xmlns:a16="http://schemas.microsoft.com/office/drawing/2014/main" id="{DCD3A61F-16FA-D9B9-FD8C-8117007F8357}"/>
+              </a:ext>
+            </a:extLst>
+          </p:cNvPr>
+          <p:cNvPicPr>
+            <a:picLocks noChangeAspect="1"/>
+          </p:cNvPicPr>
+          <p:nvPr/>
+        </p:nvPicPr>
+        <p:blipFill>
+          <a:blip r:embed="rId3">
+            <a:extLst>
+              <a:ext uri="{96DAC541-7B7A-43D3-8B79-37D633B846F1}">
+                <asvg:svgBlip xmlns:asvg="http://schemas.microsoft.com/office/drawing/2016/SVG/main" r:embed="rId4"/>
+              </a:ext>
+            </a:extLst>
+          </a:blip>
+          <a:stretch>
+            <a:fillRect/>
+          </a:stretch>
+        </p:blipFill>
+        <p:spPr>
+          <a:xfrm>
+            <a:off x="0" y="0"/>
+            <a:ext cx="36576000" cy="32918400"/>
+          </a:xfrm>
+          <a:prstGeom prst="rect">
+            <a:avLst/>
+          </a:prstGeom>
+        </p:spPr>
+      </p:pic>
+    </p:spTree>
+    <p:extLst>
+      <p:ext uri="{BB962C8B-B14F-4D97-AF65-F5344CB8AC3E}">
+        <p14:creationId xmlns:p14="http://schemas.microsoft.com/office/powerpoint/2010/main" val="427030774"/>
+      </p:ext>
+    </p:extLst>
+  </p:cSld>
+  <p:clrMapOvr>
+    <a:masterClrMapping/>
+  </p:clrMapOvr>
+</p:sld>
+</file>
+
 <file path=ppt/theme/theme1.xml><?xml version="1.0" encoding="utf-8"?>
 <a:theme xmlns:a="http://schemas.openxmlformats.org/drawingml/2006/main" name="Office Theme">
   <a:themeElements>

--- a/figures/fig5/fig5.pptx
+++ b/figures/fig5/fig5.pptx
@@ -260,7 +260,7 @@
       </p15:sldGuideLst>
     </p:ext>
     <p:ext uri="http://customooxmlschemas.google.com/">
-      <go:slidesCustomData xmlns:go="http://customooxmlschemas.google.com/" xmlns:ahyp="http://schemas.microsoft.com/office/drawing/2018/hyperlinkcolor" xmlns:p15="http://schemas.microsoft.com/office/powerpoint/2012/main" xmlns:p14="http://schemas.microsoft.com/office/powerpoint/2010/main" xmlns:com="http://schemas.openxmlformats.org/drawingml/2006/compatibility" xmlns:pvml="urn:schemas-microsoft-com:office:powerpoint" xmlns:v="urn:schemas-microsoft-com:vml" xmlns:o="urn:schemas-microsoft-com:office:office" xmlns:dgm="http://schemas.openxmlformats.org/drawingml/2006/diagram" xmlns:c="http://schemas.openxmlformats.org/drawingml/2006/chart" xmlns:mv="urn:schemas-microsoft-com:mac:vml" xmlns:mc="http://schemas.openxmlformats.org/markup-compatibility/2006" xmlns="" r:id="rId10" roundtripDataSignature="AMtx7mhiytGPk8UOxiAGs9KaAxakDbg4SQ=="/>
+      <go:slidesCustomData xmlns="" xmlns:mc="http://schemas.openxmlformats.org/markup-compatibility/2006" xmlns:mv="urn:schemas-microsoft-com:mac:vml" xmlns:c="http://schemas.openxmlformats.org/drawingml/2006/chart" xmlns:dgm="http://schemas.openxmlformats.org/drawingml/2006/diagram" xmlns:o="urn:schemas-microsoft-com:office:office" xmlns:v="urn:schemas-microsoft-com:vml" xmlns:pvml="urn:schemas-microsoft-com:office:powerpoint" xmlns:com="http://schemas.openxmlformats.org/drawingml/2006/compatibility" xmlns:p14="http://schemas.microsoft.com/office/powerpoint/2010/main" xmlns:p15="http://schemas.microsoft.com/office/powerpoint/2012/main" xmlns:ahyp="http://schemas.microsoft.com/office/drawing/2018/hyperlinkcolor" xmlns:go="http://customooxmlschemas.google.com/" r:id="rId10" roundtripDataSignature="AMtx7mhiytGPk8UOxiAGs9KaAxakDbg4SQ=="/>
     </p:ext>
   </p:extLst>
 </p:presentation>
@@ -2065,7 +2065,7 @@
         <p:cNvPr id="1" name="Shape 84">
           <a:extLst>
             <a:ext uri="{FF2B5EF4-FFF2-40B4-BE49-F238E27FC236}">
-              <a16:creationId xmlns:a16="http://schemas.microsoft.com/office/drawing/2014/main" id="{161CDB38-27BE-EABF-69A0-B5409FE1D879}"/>
+              <a16:creationId xmlns:a16="http://schemas.microsoft.com/office/drawing/2014/main" id="{27715DC9-824F-006F-C91A-A52CDCD93224}"/>
             </a:ext>
           </a:extLst>
         </p:cNvPr>
@@ -2085,7 +2085,7 @@
           <p:cNvPr id="85" name="Google Shape;85;p1:notes">
             <a:extLst>
               <a:ext uri="{FF2B5EF4-FFF2-40B4-BE49-F238E27FC236}">
-                <a16:creationId xmlns:a16="http://schemas.microsoft.com/office/drawing/2014/main" id="{B397397A-2C79-191E-39AC-65AB5500B2B3}"/>
+                <a16:creationId xmlns:a16="http://schemas.microsoft.com/office/drawing/2014/main" id="{03BF6011-74F7-9B4B-14E3-A87068AEBBFC}"/>
               </a:ext>
             </a:extLst>
           </p:cNvPr>
@@ -2142,7 +2142,7 @@
           <p:cNvPr id="86" name="Google Shape;86;p1:notes">
             <a:extLst>
               <a:ext uri="{FF2B5EF4-FFF2-40B4-BE49-F238E27FC236}">
-                <a16:creationId xmlns:a16="http://schemas.microsoft.com/office/drawing/2014/main" id="{94B87B3B-84DD-F5A5-605A-E06CBCCC6B69}"/>
+                <a16:creationId xmlns:a16="http://schemas.microsoft.com/office/drawing/2014/main" id="{FD43E982-E6B5-DBC2-3885-AD9E5A1CC9DE}"/>
               </a:ext>
             </a:extLst>
           </p:cNvPr>
@@ -2190,7 +2190,7 @@
           <p:cNvPr id="87" name="Google Shape;87;p1:notes">
             <a:extLst>
               <a:ext uri="{FF2B5EF4-FFF2-40B4-BE49-F238E27FC236}">
-                <a16:creationId xmlns:a16="http://schemas.microsoft.com/office/drawing/2014/main" id="{40F724A6-6DE6-0941-D1B5-CE272A450734}"/>
+                <a16:creationId xmlns:a16="http://schemas.microsoft.com/office/drawing/2014/main" id="{E80FCC8C-035E-2444-E6CC-E3CF9C808CFF}"/>
               </a:ext>
             </a:extLst>
           </p:cNvPr>
@@ -2256,7 +2256,7 @@
     </p:spTree>
     <p:extLst>
       <p:ext uri="{BB962C8B-B14F-4D97-AF65-F5344CB8AC3E}">
-        <p14:creationId xmlns:p14="http://schemas.microsoft.com/office/powerpoint/2010/main" val="1425333128"/>
+        <p14:creationId xmlns:p14="http://schemas.microsoft.com/office/powerpoint/2010/main" val="3847663624"/>
       </p:ext>
     </p:extLst>
   </p:cSld>
@@ -10963,7 +10963,7 @@
           <p:cNvPr id="8" name="Graphic 7">
             <a:extLst>
               <a:ext uri="{FF2B5EF4-FFF2-40B4-BE49-F238E27FC236}">
-                <a16:creationId xmlns:a16="http://schemas.microsoft.com/office/drawing/2014/main" id="{548072BA-5DF3-360A-6ED3-E41971F36A0E}"/>
+                <a16:creationId xmlns:a16="http://schemas.microsoft.com/office/drawing/2014/main" id="{97A91EDB-87BD-9D25-3894-01E724C5C94F}"/>
               </a:ext>
             </a:extLst>
           </p:cNvPr>
@@ -10980,15 +10980,15 @@
               </a:ext>
             </a:extLst>
           </a:blip>
-          <a:srcRect l="2201" t="4343" b="5087"/>
+          <a:srcRect l="4659" t="5213" r="3827" b="2529"/>
           <a:stretch>
             <a:fillRect/>
           </a:stretch>
         </p:blipFill>
         <p:spPr>
           <a:xfrm>
-            <a:off x="0" y="11191170"/>
-            <a:ext cx="36576000" cy="21727230"/>
+            <a:off x="0" y="9258301"/>
+            <a:ext cx="36569697" cy="23660100"/>
           </a:xfrm>
           <a:prstGeom prst="rect">
             <a:avLst/>
@@ -11024,7 +11024,7 @@
         <p:cNvPr id="1" name="Shape 88">
           <a:extLst>
             <a:ext uri="{FF2B5EF4-FFF2-40B4-BE49-F238E27FC236}">
-              <a16:creationId xmlns:a16="http://schemas.microsoft.com/office/drawing/2014/main" id="{825B5B23-B1ED-1038-E032-395035DFD1BD}"/>
+              <a16:creationId xmlns:a16="http://schemas.microsoft.com/office/drawing/2014/main" id="{E3FF53E5-1399-541C-65BC-10C32425BA33}"/>
             </a:ext>
           </a:extLst>
         </p:cNvPr>
@@ -11041,10 +11041,10 @@
       </p:grpSpPr>
       <p:pic>
         <p:nvPicPr>
-          <p:cNvPr id="3" name="Graphic 2">
+          <p:cNvPr id="4" name="Graphic 3">
             <a:extLst>
               <a:ext uri="{FF2B5EF4-FFF2-40B4-BE49-F238E27FC236}">
-                <a16:creationId xmlns:a16="http://schemas.microsoft.com/office/drawing/2014/main" id="{DCD3A61F-16FA-D9B9-FD8C-8117007F8357}"/>
+                <a16:creationId xmlns:a16="http://schemas.microsoft.com/office/drawing/2014/main" id="{70A555CF-D5FD-C26A-4915-5630A5458152}"/>
               </a:ext>
             </a:extLst>
           </p:cNvPr>
@@ -11078,7 +11078,7 @@
     </p:spTree>
     <p:extLst>
       <p:ext uri="{BB962C8B-B14F-4D97-AF65-F5344CB8AC3E}">
-        <p14:creationId xmlns:p14="http://schemas.microsoft.com/office/powerpoint/2010/main" val="427030774"/>
+        <p14:creationId xmlns:p14="http://schemas.microsoft.com/office/powerpoint/2010/main" val="1339113034"/>
       </p:ext>
     </p:extLst>
   </p:cSld>
